--- a/data/test.pptx
+++ b/data/test.pptx
@@ -6,7 +6,9 @@
   </p:sldMasterIdLst>
   <p:sldIdLst>
     <p:sldId id="256" r:id="rId2"/>
-    <p:sldId id="258" r:id="rId3"/>
+    <p:sldId id="257" r:id="rId3"/>
+    <p:sldId id="258" r:id="rId4"/>
+    <p:sldId id="259" r:id="rId5"/>
   </p:sldIdLst>
   <p:sldSz cx="10058400" cy="7772400"/>
   <p:notesSz cx="10058400" cy="7772400"/>
@@ -414,7 +416,7 @@
           <a:p>
             <a:fld id="{1D8BD707-D9CF-40AE-B4C6-C98DA3205C09}" type="datetimeFigureOut">
               <a:rPr lang="en-US"/>
-              <a:t>7/6/25</a:t>
+              <a:t>7/8/25</a:t>
             </a:fld>
             <a:endParaRPr lang="en-US"/>
           </a:p>
@@ -627,7 +629,7 @@
           <a:p>
             <a:fld id="{1D8BD707-D9CF-40AE-B4C6-C98DA3205C09}" type="datetimeFigureOut">
               <a:rPr lang="en-US"/>
-              <a:t>7/6/25</a:t>
+              <a:t>7/8/25</a:t>
             </a:fld>
             <a:endParaRPr lang="en-US"/>
           </a:p>
@@ -877,7 +879,7 @@
           <a:p>
             <a:fld id="{1D8BD707-D9CF-40AE-B4C6-C98DA3205C09}" type="datetimeFigureOut">
               <a:rPr lang="en-US"/>
-              <a:t>7/6/25</a:t>
+              <a:t>7/8/25</a:t>
             </a:fld>
             <a:endParaRPr lang="en-US"/>
           </a:p>
@@ -1061,7 +1063,7 @@
           <a:p>
             <a:fld id="{1D8BD707-D9CF-40AE-B4C6-C98DA3205C09}" type="datetimeFigureOut">
               <a:rPr lang="en-US"/>
-              <a:t>7/6/25</a:t>
+              <a:t>7/8/25</a:t>
             </a:fld>
             <a:endParaRPr lang="en-US"/>
           </a:p>
@@ -1216,7 +1218,7 @@
           <a:p>
             <a:fld id="{1D8BD707-D9CF-40AE-B4C6-C98DA3205C09}" type="datetimeFigureOut">
               <a:rPr lang="en-US"/>
-              <a:t>7/6/25</a:t>
+              <a:t>7/8/25</a:t>
             </a:fld>
             <a:endParaRPr lang="en-US"/>
           </a:p>
@@ -1527,7 +1529,7 @@
           <a:p>
             <a:fld id="{1D8BD707-D9CF-40AE-B4C6-C98DA3205C09}" type="datetimeFigureOut">
               <a:rPr lang="en-US"/>
-              <a:t>7/6/25</a:t>
+              <a:t>7/8/25</a:t>
             </a:fld>
             <a:endParaRPr lang="en-US"/>
           </a:p>
@@ -1935,6 +1937,777 @@
 </file>
 
 <file path=ppt/slides/slide2.xml><?xml version="1.0" encoding="utf-8"?>
+<p:sld xmlns:a="http://schemas.openxmlformats.org/drawingml/2006/main" xmlns:r="http://schemas.openxmlformats.org/officeDocument/2006/relationships" xmlns:p="http://schemas.openxmlformats.org/presentationml/2006/main" showMasterSp="0">
+  <p:cSld>
+    <p:spTree>
+      <p:nvGrpSpPr>
+        <p:cNvPr id="1" name=""/>
+        <p:cNvGrpSpPr/>
+        <p:nvPr/>
+      </p:nvGrpSpPr>
+      <p:grpSpPr>
+        <a:xfrm>
+          <a:off x="0" y="0"/>
+          <a:ext cx="0" cy="0"/>
+          <a:chOff x="0" y="0"/>
+          <a:chExt cx="0" cy="0"/>
+        </a:xfrm>
+      </p:grpSpPr>
+      <p:grpSp>
+        <p:nvGrpSpPr>
+          <p:cNvPr id="2" name="object 2"/>
+          <p:cNvGrpSpPr/>
+          <p:nvPr/>
+        </p:nvGrpSpPr>
+        <p:grpSpPr>
+          <a:xfrm>
+            <a:off x="558787" y="533400"/>
+            <a:ext cx="8941435" cy="6706234"/>
+            <a:chOff x="558787" y="533400"/>
+            <a:chExt cx="8941435" cy="6706234"/>
+          </a:xfrm>
+        </p:grpSpPr>
+        <p:sp>
+          <p:nvSpPr>
+            <p:cNvPr id="3" name="object 3"/>
+            <p:cNvSpPr/>
+            <p:nvPr/>
+          </p:nvSpPr>
+          <p:spPr>
+            <a:xfrm>
+              <a:off x="2741663" y="6826770"/>
+              <a:ext cx="6758305" cy="412750"/>
+            </a:xfrm>
+            <a:custGeom>
+              <a:avLst/>
+              <a:gdLst/>
+              <a:ahLst/>
+              <a:cxnLst/>
+              <a:rect l="l" t="t" r="r" b="b"/>
+              <a:pathLst>
+                <a:path w="6758305" h="412750">
+                  <a:moveTo>
+                    <a:pt x="0" y="412242"/>
+                  </a:moveTo>
+                  <a:lnTo>
+                    <a:pt x="6757936" y="412242"/>
+                  </a:lnTo>
+                  <a:lnTo>
+                    <a:pt x="6757936" y="0"/>
+                  </a:lnTo>
+                  <a:lnTo>
+                    <a:pt x="0" y="0"/>
+                  </a:lnTo>
+                  <a:lnTo>
+                    <a:pt x="0" y="412242"/>
+                  </a:lnTo>
+                  <a:close/>
+                </a:path>
+              </a:pathLst>
+            </a:custGeom>
+            <a:solidFill>
+              <a:srgbClr val="C9DFF3"/>
+            </a:solidFill>
+          </p:spPr>
+          <p:txBody>
+            <a:bodyPr wrap="square" lIns="0" tIns="0" rIns="0" bIns="0" rtlCol="0"/>
+            <a:lstStyle/>
+            <a:p>
+              <a:endParaRPr/>
+            </a:p>
+          </p:txBody>
+        </p:sp>
+        <p:sp>
+          <p:nvSpPr>
+            <p:cNvPr id="4" name="object 4"/>
+            <p:cNvSpPr/>
+            <p:nvPr/>
+          </p:nvSpPr>
+          <p:spPr>
+            <a:xfrm>
+              <a:off x="558787" y="2764535"/>
+              <a:ext cx="2183130" cy="4474845"/>
+            </a:xfrm>
+            <a:custGeom>
+              <a:avLst/>
+              <a:gdLst/>
+              <a:ahLst/>
+              <a:cxnLst/>
+              <a:rect l="l" t="t" r="r" b="b"/>
+              <a:pathLst>
+                <a:path w="2183130" h="4474845">
+                  <a:moveTo>
+                    <a:pt x="2182876" y="4474476"/>
+                  </a:moveTo>
+                  <a:lnTo>
+                    <a:pt x="2182875" y="0"/>
+                  </a:lnTo>
+                  <a:lnTo>
+                    <a:pt x="0" y="0"/>
+                  </a:lnTo>
+                  <a:lnTo>
+                    <a:pt x="0" y="4474476"/>
+                  </a:lnTo>
+                  <a:lnTo>
+                    <a:pt x="2182876" y="4474476"/>
+                  </a:lnTo>
+                  <a:close/>
+                </a:path>
+              </a:pathLst>
+            </a:custGeom>
+            <a:solidFill>
+              <a:srgbClr val="2F67B1"/>
+            </a:solidFill>
+          </p:spPr>
+          <p:txBody>
+            <a:bodyPr wrap="square" lIns="0" tIns="0" rIns="0" bIns="0" rtlCol="0"/>
+            <a:lstStyle/>
+            <a:p>
+              <a:endParaRPr/>
+            </a:p>
+          </p:txBody>
+        </p:sp>
+        <p:sp>
+          <p:nvSpPr>
+            <p:cNvPr id="5" name="object 5"/>
+            <p:cNvSpPr/>
+            <p:nvPr/>
+          </p:nvSpPr>
+          <p:spPr>
+            <a:xfrm>
+              <a:off x="558787" y="533400"/>
+              <a:ext cx="2183130" cy="2231390"/>
+            </a:xfrm>
+            <a:custGeom>
+              <a:avLst/>
+              <a:gdLst/>
+              <a:ahLst/>
+              <a:cxnLst/>
+              <a:rect l="l" t="t" r="r" b="b"/>
+              <a:pathLst>
+                <a:path w="2183130" h="2231390">
+                  <a:moveTo>
+                    <a:pt x="2182876" y="2231136"/>
+                  </a:moveTo>
+                  <a:lnTo>
+                    <a:pt x="2182876" y="0"/>
+                  </a:lnTo>
+                  <a:lnTo>
+                    <a:pt x="0" y="0"/>
+                  </a:lnTo>
+                  <a:lnTo>
+                    <a:pt x="0" y="2231136"/>
+                  </a:lnTo>
+                  <a:lnTo>
+                    <a:pt x="2182876" y="2231136"/>
+                  </a:lnTo>
+                  <a:close/>
+                </a:path>
+              </a:pathLst>
+            </a:custGeom>
+            <a:solidFill>
+              <a:srgbClr val="99ADD9"/>
+            </a:solidFill>
+          </p:spPr>
+          <p:txBody>
+            <a:bodyPr wrap="square" lIns="0" tIns="0" rIns="0" bIns="0" rtlCol="0"/>
+            <a:lstStyle/>
+            <a:p>
+              <a:endParaRPr/>
+            </a:p>
+          </p:txBody>
+        </p:sp>
+      </p:grpSp>
+      <p:sp>
+        <p:nvSpPr>
+          <p:cNvPr id="6" name="object 6"/>
+          <p:cNvSpPr txBox="1">
+            <a:spLocks noGrp="1"/>
+          </p:cNvSpPr>
+          <p:nvPr>
+            <p:ph type="title"/>
+          </p:nvPr>
+        </p:nvSpPr>
+        <p:spPr>
+          <a:prstGeom prst="rect">
+            <a:avLst/>
+          </a:prstGeom>
+        </p:spPr>
+        <p:txBody>
+          <a:bodyPr vert="horz" wrap="square" lIns="0" tIns="12700" rIns="0" bIns="0" rtlCol="0">
+            <a:spAutoFit/>
+          </a:bodyPr>
+          <a:lstStyle/>
+          <a:p>
+            <a:pPr marL="2433320">
+              <a:lnSpc>
+                <a:spcPct val="100000"/>
+              </a:lnSpc>
+              <a:spcBef>
+                <a:spcPts val="100"/>
+              </a:spcBef>
+            </a:pPr>
+            <a:r>
+              <a:rPr spc="-10" dirty="0"/>
+              <a:t>Contents</a:t>
+            </a:r>
+          </a:p>
+        </p:txBody>
+      </p:sp>
+      <p:sp>
+        <p:nvSpPr>
+          <p:cNvPr id="9" name="object 9"/>
+          <p:cNvSpPr txBox="1"/>
+          <p:nvPr/>
+        </p:nvSpPr>
+        <p:spPr>
+          <a:xfrm>
+            <a:off x="8953751" y="6912979"/>
+            <a:ext cx="65405" cy="228600"/>
+          </a:xfrm>
+          <a:prstGeom prst="rect">
+            <a:avLst/>
+          </a:prstGeom>
+        </p:spPr>
+        <p:txBody>
+          <a:bodyPr vert="horz" wrap="square" lIns="0" tIns="13335" rIns="0" bIns="0" rtlCol="0">
+            <a:spAutoFit/>
+          </a:bodyPr>
+          <a:lstStyle/>
+          <a:p>
+            <a:pPr marL="12700">
+              <a:lnSpc>
+                <a:spcPct val="100000"/>
+              </a:lnSpc>
+              <a:spcBef>
+                <a:spcPts val="105"/>
+              </a:spcBef>
+            </a:pPr>
+            <a:r>
+              <a:rPr sz="1200" spc="-50" dirty="0">
+                <a:solidFill>
+                  <a:srgbClr val="231F20"/>
+                </a:solidFill>
+                <a:latin typeface="Arial MT"/>
+                <a:cs typeface="Arial MT"/>
+              </a:rPr>
+              <a:t>|</a:t>
+            </a:r>
+            <a:endParaRPr sz="1200">
+              <a:latin typeface="Arial MT"/>
+              <a:cs typeface="Arial MT"/>
+            </a:endParaRPr>
+          </a:p>
+        </p:txBody>
+      </p:sp>
+      <p:sp>
+        <p:nvSpPr>
+          <p:cNvPr id="10" name="object 10"/>
+          <p:cNvSpPr txBox="1">
+            <a:spLocks noGrp="1"/>
+          </p:cNvSpPr>
+          <p:nvPr>
+            <p:ph type="ftr" sz="quarter" idx="5"/>
+          </p:nvPr>
+        </p:nvSpPr>
+        <p:spPr>
+          <a:prstGeom prst="rect">
+            <a:avLst/>
+          </a:prstGeom>
+        </p:spPr>
+        <p:txBody>
+          <a:bodyPr vert="horz" wrap="square" lIns="0" tIns="13335" rIns="0" bIns="0" rtlCol="0">
+            <a:spAutoFit/>
+          </a:bodyPr>
+          <a:lstStyle/>
+          <a:p>
+            <a:pPr marL="12700">
+              <a:lnSpc>
+                <a:spcPct val="100000"/>
+              </a:lnSpc>
+              <a:spcBef>
+                <a:spcPts val="105"/>
+              </a:spcBef>
+            </a:pPr>
+            <a:r>
+              <a:rPr dirty="0"/>
+              <a:t>McKinsey</a:t>
+            </a:r>
+            <a:r>
+              <a:rPr spc="-30" dirty="0"/>
+              <a:t> </a:t>
+            </a:r>
+            <a:r>
+              <a:rPr dirty="0"/>
+              <a:t>&amp;</a:t>
+            </a:r>
+            <a:r>
+              <a:rPr spc="-25" dirty="0"/>
+              <a:t> </a:t>
+            </a:r>
+            <a:r>
+              <a:rPr spc="-10" dirty="0"/>
+              <a:t>Company</a:t>
+            </a:r>
+          </a:p>
+        </p:txBody>
+      </p:sp>
+      <p:sp>
+        <p:nvSpPr>
+          <p:cNvPr id="11" name="object 11"/>
+          <p:cNvSpPr txBox="1">
+            <a:spLocks noGrp="1"/>
+          </p:cNvSpPr>
+          <p:nvPr>
+            <p:ph type="sldNum" sz="quarter" idx="7"/>
+          </p:nvPr>
+        </p:nvSpPr>
+        <p:spPr>
+          <a:prstGeom prst="rect">
+            <a:avLst/>
+          </a:prstGeom>
+        </p:spPr>
+        <p:txBody>
+          <a:bodyPr vert="horz" wrap="square" lIns="0" tIns="13335" rIns="0" bIns="0" rtlCol="0">
+            <a:spAutoFit/>
+          </a:bodyPr>
+          <a:lstStyle/>
+          <a:p>
+            <a:pPr marL="38735">
+              <a:lnSpc>
+                <a:spcPct val="100000"/>
+              </a:lnSpc>
+              <a:spcBef>
+                <a:spcPts val="105"/>
+              </a:spcBef>
+            </a:pPr>
+            <a:r>
+              <a:rPr spc="-50" dirty="0"/>
+              <a:t>1</a:t>
+            </a:r>
+          </a:p>
+        </p:txBody>
+      </p:sp>
+      <p:sp>
+        <p:nvSpPr>
+          <p:cNvPr id="7" name="object 7"/>
+          <p:cNvSpPr txBox="1"/>
+          <p:nvPr/>
+        </p:nvSpPr>
+        <p:spPr>
+          <a:xfrm>
+            <a:off x="3087611" y="2760726"/>
+            <a:ext cx="4629785" cy="391160"/>
+          </a:xfrm>
+          <a:prstGeom prst="rect">
+            <a:avLst/>
+          </a:prstGeom>
+          <a:solidFill>
+            <a:srgbClr val="C9DFF4"/>
+          </a:solidFill>
+        </p:spPr>
+        <p:txBody>
+          <a:bodyPr vert="horz" wrap="square" lIns="0" tIns="82550" rIns="0" bIns="0" rtlCol="0">
+            <a:spAutoFit/>
+          </a:bodyPr>
+          <a:lstStyle/>
+          <a:p>
+            <a:pPr marL="319405" indent="-241300">
+              <a:lnSpc>
+                <a:spcPct val="100000"/>
+              </a:lnSpc>
+              <a:spcBef>
+                <a:spcPts val="650"/>
+              </a:spcBef>
+              <a:buClr>
+                <a:srgbClr val="1E2D5D"/>
+              </a:buClr>
+              <a:buSzPct val="128571"/>
+              <a:buFont typeface="Arial MT"/>
+              <a:buChar char="▪"/>
+              <a:tabLst>
+                <a:tab pos="319405" algn="l"/>
+              </a:tabLst>
+            </a:pPr>
+            <a:r>
+              <a:rPr sz="1400" b="1" dirty="0">
+                <a:solidFill>
+                  <a:srgbClr val="231F20"/>
+                </a:solidFill>
+                <a:latin typeface="Arial"/>
+                <a:cs typeface="Arial"/>
+              </a:rPr>
+              <a:t>Recent</a:t>
+            </a:r>
+            <a:r>
+              <a:rPr sz="1400" b="1" spc="-35" dirty="0">
+                <a:solidFill>
+                  <a:srgbClr val="231F20"/>
+                </a:solidFill>
+                <a:latin typeface="Arial"/>
+                <a:cs typeface="Arial"/>
+              </a:rPr>
+              <a:t> </a:t>
+            </a:r>
+            <a:r>
+              <a:rPr sz="1400" b="1" spc="-10" dirty="0">
+                <a:solidFill>
+                  <a:srgbClr val="231F20"/>
+                </a:solidFill>
+                <a:latin typeface="Arial"/>
+                <a:cs typeface="Arial"/>
+              </a:rPr>
+              <a:t>context</a:t>
+            </a:r>
+            <a:endParaRPr sz="1400">
+              <a:latin typeface="Arial"/>
+              <a:cs typeface="Arial"/>
+            </a:endParaRPr>
+          </a:p>
+        </p:txBody>
+      </p:sp>
+      <p:sp>
+        <p:nvSpPr>
+          <p:cNvPr id="8" name="object 8"/>
+          <p:cNvSpPr txBox="1"/>
+          <p:nvPr/>
+        </p:nvSpPr>
+        <p:spPr>
+          <a:xfrm>
+            <a:off x="3203687" y="3131936"/>
+            <a:ext cx="3549015" cy="1224280"/>
+          </a:xfrm>
+          <a:prstGeom prst="rect">
+            <a:avLst/>
+          </a:prstGeom>
+        </p:spPr>
+        <p:txBody>
+          <a:bodyPr vert="horz" wrap="square" lIns="0" tIns="137160" rIns="0" bIns="0" rtlCol="0">
+            <a:spAutoFit/>
+          </a:bodyPr>
+          <a:lstStyle/>
+          <a:p>
+            <a:pPr marL="203835" indent="-203200">
+              <a:lnSpc>
+                <a:spcPct val="100000"/>
+              </a:lnSpc>
+              <a:spcBef>
+                <a:spcPts val="1080"/>
+              </a:spcBef>
+              <a:buClr>
+                <a:srgbClr val="1E2D5D"/>
+              </a:buClr>
+              <a:buSzPct val="107142"/>
+              <a:buChar char="▪"/>
+              <a:tabLst>
+                <a:tab pos="203835" algn="l"/>
+              </a:tabLst>
+            </a:pPr>
+            <a:r>
+              <a:rPr sz="1400" dirty="0">
+                <a:solidFill>
+                  <a:srgbClr val="231F20"/>
+                </a:solidFill>
+                <a:latin typeface="Arial MT"/>
+                <a:cs typeface="Arial MT"/>
+              </a:rPr>
+              <a:t>Base</a:t>
+            </a:r>
+            <a:r>
+              <a:rPr sz="1400" spc="-35" dirty="0">
+                <a:solidFill>
+                  <a:srgbClr val="231F20"/>
+                </a:solidFill>
+                <a:latin typeface="Arial MT"/>
+                <a:cs typeface="Arial MT"/>
+              </a:rPr>
+              <a:t> </a:t>
+            </a:r>
+            <a:r>
+              <a:rPr sz="1400" dirty="0">
+                <a:solidFill>
+                  <a:srgbClr val="231F20"/>
+                </a:solidFill>
+                <a:latin typeface="Arial MT"/>
+                <a:cs typeface="Arial MT"/>
+              </a:rPr>
+              <a:t>case</a:t>
+            </a:r>
+            <a:r>
+              <a:rPr sz="1400" spc="-30" dirty="0">
+                <a:solidFill>
+                  <a:srgbClr val="231F20"/>
+                </a:solidFill>
+                <a:latin typeface="Arial MT"/>
+                <a:cs typeface="Arial MT"/>
+              </a:rPr>
+              <a:t> </a:t>
+            </a:r>
+            <a:r>
+              <a:rPr sz="1400" dirty="0">
+                <a:solidFill>
+                  <a:srgbClr val="231F20"/>
+                </a:solidFill>
+                <a:latin typeface="Arial MT"/>
+                <a:cs typeface="Arial MT"/>
+              </a:rPr>
+              <a:t>–</a:t>
+            </a:r>
+            <a:r>
+              <a:rPr sz="1400" spc="-35" dirty="0">
+                <a:solidFill>
+                  <a:srgbClr val="231F20"/>
+                </a:solidFill>
+                <a:latin typeface="Arial MT"/>
+                <a:cs typeface="Arial MT"/>
+              </a:rPr>
+              <a:t> </a:t>
+            </a:r>
+            <a:r>
+              <a:rPr sz="1400" dirty="0">
+                <a:solidFill>
+                  <a:srgbClr val="231F20"/>
+                </a:solidFill>
+                <a:latin typeface="Arial MT"/>
+                <a:cs typeface="Arial MT"/>
+              </a:rPr>
+              <a:t>minimal</a:t>
+            </a:r>
+            <a:r>
+              <a:rPr sz="1400" spc="-30" dirty="0">
+                <a:solidFill>
+                  <a:srgbClr val="231F20"/>
+                </a:solidFill>
+                <a:latin typeface="Arial MT"/>
+                <a:cs typeface="Arial MT"/>
+              </a:rPr>
+              <a:t> </a:t>
+            </a:r>
+            <a:r>
+              <a:rPr sz="1400" dirty="0">
+                <a:solidFill>
+                  <a:srgbClr val="231F20"/>
+                </a:solidFill>
+                <a:latin typeface="Arial MT"/>
+                <a:cs typeface="Arial MT"/>
+              </a:rPr>
+              <a:t>management</a:t>
+            </a:r>
+            <a:r>
+              <a:rPr sz="1400" spc="-35" dirty="0">
+                <a:solidFill>
+                  <a:srgbClr val="231F20"/>
+                </a:solidFill>
+                <a:latin typeface="Arial MT"/>
+                <a:cs typeface="Arial MT"/>
+              </a:rPr>
+              <a:t> </a:t>
+            </a:r>
+            <a:r>
+              <a:rPr sz="1400" spc="-10" dirty="0">
+                <a:solidFill>
+                  <a:srgbClr val="231F20"/>
+                </a:solidFill>
+                <a:latin typeface="Arial MT"/>
+                <a:cs typeface="Arial MT"/>
+              </a:rPr>
+              <a:t>actions</a:t>
+            </a:r>
+            <a:endParaRPr sz="1400">
+              <a:latin typeface="Arial MT"/>
+              <a:cs typeface="Arial MT"/>
+            </a:endParaRPr>
+          </a:p>
+          <a:p>
+            <a:pPr>
+              <a:lnSpc>
+                <a:spcPct val="100000"/>
+              </a:lnSpc>
+              <a:spcBef>
+                <a:spcPts val="60"/>
+              </a:spcBef>
+              <a:buClr>
+                <a:srgbClr val="1E2D5D"/>
+              </a:buClr>
+              <a:buFont typeface="Arial MT"/>
+              <a:buChar char="▪"/>
+            </a:pPr>
+            <a:endParaRPr sz="1400">
+              <a:latin typeface="Arial MT"/>
+              <a:cs typeface="Arial MT"/>
+            </a:endParaRPr>
+          </a:p>
+          <a:p>
+            <a:pPr marL="203835" indent="-203200">
+              <a:lnSpc>
+                <a:spcPct val="100000"/>
+              </a:lnSpc>
+              <a:buClr>
+                <a:srgbClr val="1E2D5D"/>
+              </a:buClr>
+              <a:buSzPct val="107142"/>
+              <a:buChar char="▪"/>
+              <a:tabLst>
+                <a:tab pos="203835" algn="l"/>
+              </a:tabLst>
+            </a:pPr>
+            <a:r>
+              <a:rPr sz="1400" dirty="0">
+                <a:solidFill>
+                  <a:srgbClr val="231F20"/>
+                </a:solidFill>
+                <a:latin typeface="Arial MT"/>
+                <a:cs typeface="Arial MT"/>
+              </a:rPr>
+              <a:t>Addressing</a:t>
+            </a:r>
+            <a:r>
+              <a:rPr sz="1400" spc="-35" dirty="0">
+                <a:solidFill>
+                  <a:srgbClr val="231F20"/>
+                </a:solidFill>
+                <a:latin typeface="Arial MT"/>
+                <a:cs typeface="Arial MT"/>
+              </a:rPr>
+              <a:t> </a:t>
+            </a:r>
+            <a:r>
+              <a:rPr sz="1400" dirty="0">
+                <a:solidFill>
+                  <a:srgbClr val="231F20"/>
+                </a:solidFill>
+                <a:latin typeface="Arial MT"/>
+                <a:cs typeface="Arial MT"/>
+              </a:rPr>
+              <a:t>the</a:t>
+            </a:r>
+            <a:r>
+              <a:rPr sz="1400" spc="-30" dirty="0">
+                <a:solidFill>
+                  <a:srgbClr val="231F20"/>
+                </a:solidFill>
+                <a:latin typeface="Arial MT"/>
+                <a:cs typeface="Arial MT"/>
+              </a:rPr>
+              <a:t> </a:t>
+            </a:r>
+            <a:r>
+              <a:rPr sz="1400" spc="-10" dirty="0">
+                <a:solidFill>
+                  <a:srgbClr val="231F20"/>
+                </a:solidFill>
+                <a:latin typeface="Arial MT"/>
+                <a:cs typeface="Arial MT"/>
+              </a:rPr>
+              <a:t>challenge</a:t>
+            </a:r>
+            <a:endParaRPr sz="1400">
+              <a:latin typeface="Arial MT"/>
+              <a:cs typeface="Arial MT"/>
+            </a:endParaRPr>
+          </a:p>
+          <a:p>
+            <a:pPr>
+              <a:lnSpc>
+                <a:spcPct val="100000"/>
+              </a:lnSpc>
+              <a:spcBef>
+                <a:spcPts val="55"/>
+              </a:spcBef>
+              <a:buClr>
+                <a:srgbClr val="1E2D5D"/>
+              </a:buClr>
+              <a:buFont typeface="Arial MT"/>
+              <a:buChar char="▪"/>
+            </a:pPr>
+            <a:endParaRPr sz="1400">
+              <a:latin typeface="Arial MT"/>
+              <a:cs typeface="Arial MT"/>
+            </a:endParaRPr>
+          </a:p>
+          <a:p>
+            <a:pPr marL="203835" indent="-203200">
+              <a:lnSpc>
+                <a:spcPct val="100000"/>
+              </a:lnSpc>
+              <a:spcBef>
+                <a:spcPts val="5"/>
+              </a:spcBef>
+              <a:buClr>
+                <a:srgbClr val="1E2D5D"/>
+              </a:buClr>
+              <a:buSzPct val="107142"/>
+              <a:buChar char="▪"/>
+              <a:tabLst>
+                <a:tab pos="203835" algn="l"/>
+              </a:tabLst>
+            </a:pPr>
+            <a:r>
+              <a:rPr sz="1400" dirty="0">
+                <a:solidFill>
+                  <a:srgbClr val="231F20"/>
+                </a:solidFill>
+                <a:latin typeface="Arial MT"/>
+                <a:cs typeface="Arial MT"/>
+              </a:rPr>
+              <a:t>Short</a:t>
+            </a:r>
+            <a:r>
+              <a:rPr sz="1400" spc="-30" dirty="0">
+                <a:solidFill>
+                  <a:srgbClr val="231F20"/>
+                </a:solidFill>
+                <a:latin typeface="Arial MT"/>
+                <a:cs typeface="Arial MT"/>
+              </a:rPr>
+              <a:t> </a:t>
+            </a:r>
+            <a:r>
+              <a:rPr sz="1400" dirty="0">
+                <a:solidFill>
+                  <a:srgbClr val="231F20"/>
+                </a:solidFill>
+                <a:latin typeface="Arial MT"/>
+                <a:cs typeface="Arial MT"/>
+              </a:rPr>
+              <a:t>term</a:t>
+            </a:r>
+            <a:r>
+              <a:rPr sz="1400" spc="-25" dirty="0">
+                <a:solidFill>
+                  <a:srgbClr val="231F20"/>
+                </a:solidFill>
+                <a:latin typeface="Arial MT"/>
+                <a:cs typeface="Arial MT"/>
+              </a:rPr>
+              <a:t> </a:t>
+            </a:r>
+            <a:r>
+              <a:rPr sz="1400" spc="-10" dirty="0">
+                <a:solidFill>
+                  <a:srgbClr val="231F20"/>
+                </a:solidFill>
+                <a:latin typeface="Arial MT"/>
+                <a:cs typeface="Arial MT"/>
+              </a:rPr>
+              <a:t>requirements</a:t>
+            </a:r>
+            <a:endParaRPr sz="1400">
+              <a:latin typeface="Arial MT"/>
+              <a:cs typeface="Arial MT"/>
+            </a:endParaRPr>
+          </a:p>
+        </p:txBody>
+      </p:sp>
+    </p:spTree>
+  </p:cSld>
+  <p:clrMapOvr>
+    <a:masterClrMapping/>
+  </p:clrMapOvr>
+</p:sld>
+</file>
+
+<file path=ppt/slides/slide3.xml><?xml version="1.0" encoding="utf-8"?>
 <p:sld xmlns:a="http://schemas.openxmlformats.org/drawingml/2006/main" xmlns:r="http://schemas.openxmlformats.org/officeDocument/2006/relationships" xmlns:p="http://schemas.openxmlformats.org/presentationml/2006/main">
   <p:cSld>
     <p:spTree>
@@ -6569,6 +7342,3931 @@
 </p:sld>
 </file>
 
+<file path=ppt/slides/slide4.xml><?xml version="1.0" encoding="utf-8"?>
+<p:sld xmlns:a="http://schemas.openxmlformats.org/drawingml/2006/main" xmlns:r="http://schemas.openxmlformats.org/officeDocument/2006/relationships" xmlns:p="http://schemas.openxmlformats.org/presentationml/2006/main">
+  <p:cSld>
+    <p:spTree>
+      <p:nvGrpSpPr>
+        <p:cNvPr id="1" name=""/>
+        <p:cNvGrpSpPr/>
+        <p:nvPr/>
+      </p:nvGrpSpPr>
+      <p:grpSpPr>
+        <a:xfrm>
+          <a:off x="0" y="0"/>
+          <a:ext cx="0" cy="0"/>
+          <a:chOff x="0" y="0"/>
+          <a:chExt cx="0" cy="0"/>
+        </a:xfrm>
+      </p:grpSpPr>
+      <p:grpSp>
+        <p:nvGrpSpPr>
+          <p:cNvPr id="2" name="object 2"/>
+          <p:cNvGrpSpPr/>
+          <p:nvPr/>
+        </p:nvGrpSpPr>
+        <p:grpSpPr>
+          <a:xfrm>
+            <a:off x="846569" y="1572005"/>
+            <a:ext cx="8373745" cy="2425065"/>
+            <a:chOff x="846569" y="1572005"/>
+            <a:chExt cx="8373745" cy="2425065"/>
+          </a:xfrm>
+        </p:grpSpPr>
+        <p:sp>
+          <p:nvSpPr>
+            <p:cNvPr id="3" name="object 3"/>
+            <p:cNvSpPr/>
+            <p:nvPr/>
+          </p:nvSpPr>
+          <p:spPr>
+            <a:xfrm>
+              <a:off x="846569" y="1572005"/>
+              <a:ext cx="8373745" cy="690880"/>
+            </a:xfrm>
+            <a:custGeom>
+              <a:avLst/>
+              <a:gdLst/>
+              <a:ahLst/>
+              <a:cxnLst/>
+              <a:rect l="l" t="t" r="r" b="b"/>
+              <a:pathLst>
+                <a:path w="8373745" h="690880">
+                  <a:moveTo>
+                    <a:pt x="8373630" y="690371"/>
+                  </a:moveTo>
+                  <a:lnTo>
+                    <a:pt x="8373630" y="0"/>
+                  </a:lnTo>
+                  <a:lnTo>
+                    <a:pt x="0" y="0"/>
+                  </a:lnTo>
+                  <a:lnTo>
+                    <a:pt x="0" y="690372"/>
+                  </a:lnTo>
+                  <a:lnTo>
+                    <a:pt x="8373630" y="690371"/>
+                  </a:lnTo>
+                  <a:close/>
+                </a:path>
+              </a:pathLst>
+            </a:custGeom>
+            <a:solidFill>
+              <a:srgbClr val="C9DFF4"/>
+            </a:solidFill>
+          </p:spPr>
+          <p:txBody>
+            <a:bodyPr wrap="square" lIns="0" tIns="0" rIns="0" bIns="0" rtlCol="0"/>
+            <a:lstStyle/>
+            <a:p>
+              <a:endParaRPr/>
+            </a:p>
+          </p:txBody>
+        </p:sp>
+        <p:sp>
+          <p:nvSpPr>
+            <p:cNvPr id="4" name="object 4"/>
+            <p:cNvSpPr/>
+            <p:nvPr/>
+          </p:nvSpPr>
+          <p:spPr>
+            <a:xfrm>
+              <a:off x="3519665" y="2945130"/>
+              <a:ext cx="4086225" cy="1048385"/>
+            </a:xfrm>
+            <a:custGeom>
+              <a:avLst/>
+              <a:gdLst/>
+              <a:ahLst/>
+              <a:cxnLst/>
+              <a:rect l="l" t="t" r="r" b="b"/>
+              <a:pathLst>
+                <a:path w="4086225" h="1048385">
+                  <a:moveTo>
+                    <a:pt x="2495550" y="256794"/>
+                  </a:moveTo>
+                  <a:lnTo>
+                    <a:pt x="2847593" y="256794"/>
+                  </a:lnTo>
+                </a:path>
+                <a:path w="4086225" h="1048385">
+                  <a:moveTo>
+                    <a:pt x="1247393" y="1047762"/>
+                  </a:moveTo>
+                  <a:lnTo>
+                    <a:pt x="1600200" y="1047762"/>
+                  </a:lnTo>
+                </a:path>
+                <a:path w="4086225" h="1048385">
+                  <a:moveTo>
+                    <a:pt x="0" y="704862"/>
+                  </a:moveTo>
+                  <a:lnTo>
+                    <a:pt x="352043" y="704862"/>
+                  </a:lnTo>
+                </a:path>
+                <a:path w="4086225" h="1048385">
+                  <a:moveTo>
+                    <a:pt x="3733812" y="0"/>
+                  </a:moveTo>
+                  <a:lnTo>
+                    <a:pt x="4085856" y="0"/>
+                  </a:lnTo>
+                </a:path>
+              </a:pathLst>
+            </a:custGeom>
+            <a:ln w="3175">
+              <a:solidFill>
+                <a:srgbClr val="010202"/>
+              </a:solidFill>
+              <a:prstDash val="sysDash"/>
+            </a:ln>
+          </p:spPr>
+          <p:txBody>
+            <a:bodyPr wrap="square" lIns="0" tIns="0" rIns="0" bIns="0" rtlCol="0"/>
+            <a:lstStyle/>
+            <a:p>
+              <a:endParaRPr/>
+            </a:p>
+          </p:txBody>
+        </p:sp>
+        <p:sp>
+          <p:nvSpPr>
+            <p:cNvPr id="5" name="object 5"/>
+            <p:cNvSpPr/>
+            <p:nvPr/>
+          </p:nvSpPr>
+          <p:spPr>
+            <a:xfrm>
+              <a:off x="1385303" y="2649473"/>
+              <a:ext cx="895350" cy="57150"/>
+            </a:xfrm>
+            <a:custGeom>
+              <a:avLst/>
+              <a:gdLst/>
+              <a:ahLst/>
+              <a:cxnLst/>
+              <a:rect l="l" t="t" r="r" b="b"/>
+              <a:pathLst>
+                <a:path w="895350" h="57150">
+                  <a:moveTo>
+                    <a:pt x="0" y="57150"/>
+                  </a:moveTo>
+                  <a:lnTo>
+                    <a:pt x="0" y="0"/>
+                  </a:lnTo>
+                  <a:lnTo>
+                    <a:pt x="895350" y="0"/>
+                  </a:lnTo>
+                  <a:lnTo>
+                    <a:pt x="895350" y="57150"/>
+                  </a:lnTo>
+                  <a:lnTo>
+                    <a:pt x="0" y="57150"/>
+                  </a:lnTo>
+                  <a:close/>
+                </a:path>
+              </a:pathLst>
+            </a:custGeom>
+            <a:solidFill>
+              <a:srgbClr val="C9DFF4"/>
+            </a:solidFill>
+          </p:spPr>
+          <p:txBody>
+            <a:bodyPr wrap="square" lIns="0" tIns="0" rIns="0" bIns="0" rtlCol="0"/>
+            <a:lstStyle/>
+            <a:p>
+              <a:endParaRPr/>
+            </a:p>
+          </p:txBody>
+        </p:sp>
+        <p:sp>
+          <p:nvSpPr>
+            <p:cNvPr id="6" name="object 6"/>
+            <p:cNvSpPr/>
+            <p:nvPr/>
+          </p:nvSpPr>
+          <p:spPr>
+            <a:xfrm>
+              <a:off x="1385303" y="2649473"/>
+              <a:ext cx="895350" cy="57150"/>
+            </a:xfrm>
+            <a:custGeom>
+              <a:avLst/>
+              <a:gdLst/>
+              <a:ahLst/>
+              <a:cxnLst/>
+              <a:rect l="l" t="t" r="r" b="b"/>
+              <a:pathLst>
+                <a:path w="895350" h="57150">
+                  <a:moveTo>
+                    <a:pt x="0" y="57150"/>
+                  </a:moveTo>
+                  <a:lnTo>
+                    <a:pt x="0" y="0"/>
+                  </a:lnTo>
+                  <a:lnTo>
+                    <a:pt x="895350" y="0"/>
+                  </a:lnTo>
+                  <a:lnTo>
+                    <a:pt x="895350" y="57150"/>
+                  </a:lnTo>
+                  <a:lnTo>
+                    <a:pt x="0" y="57150"/>
+                  </a:lnTo>
+                  <a:close/>
+                </a:path>
+              </a:pathLst>
+            </a:custGeom>
+            <a:ln w="9525">
+              <a:solidFill>
+                <a:srgbClr val="FFFFFF"/>
+              </a:solidFill>
+            </a:ln>
+          </p:spPr>
+          <p:txBody>
+            <a:bodyPr wrap="square" lIns="0" tIns="0" rIns="0" bIns="0" rtlCol="0"/>
+            <a:lstStyle/>
+            <a:p>
+              <a:endParaRPr/>
+            </a:p>
+          </p:txBody>
+        </p:sp>
+        <p:sp>
+          <p:nvSpPr>
+            <p:cNvPr id="7" name="object 7"/>
+            <p:cNvSpPr/>
+            <p:nvPr/>
+          </p:nvSpPr>
+          <p:spPr>
+            <a:xfrm>
+              <a:off x="2632697" y="2706636"/>
+              <a:ext cx="885825" cy="942975"/>
+            </a:xfrm>
+            <a:custGeom>
+              <a:avLst/>
+              <a:gdLst/>
+              <a:ahLst/>
+              <a:cxnLst/>
+              <a:rect l="l" t="t" r="r" b="b"/>
+              <a:pathLst>
+                <a:path w="885825" h="942975">
+                  <a:moveTo>
+                    <a:pt x="0" y="942594"/>
+                  </a:moveTo>
+                  <a:lnTo>
+                    <a:pt x="0" y="0"/>
+                  </a:lnTo>
+                  <a:lnTo>
+                    <a:pt x="885444" y="0"/>
+                  </a:lnTo>
+                  <a:lnTo>
+                    <a:pt x="885444" y="942594"/>
+                  </a:lnTo>
+                  <a:lnTo>
+                    <a:pt x="0" y="942594"/>
+                  </a:lnTo>
+                  <a:close/>
+                </a:path>
+              </a:pathLst>
+            </a:custGeom>
+            <a:solidFill>
+              <a:srgbClr val="C9DFF4"/>
+            </a:solidFill>
+          </p:spPr>
+          <p:txBody>
+            <a:bodyPr wrap="square" lIns="0" tIns="0" rIns="0" bIns="0" rtlCol="0"/>
+            <a:lstStyle/>
+            <a:p>
+              <a:endParaRPr/>
+            </a:p>
+          </p:txBody>
+        </p:sp>
+        <p:sp>
+          <p:nvSpPr>
+            <p:cNvPr id="8" name="object 8"/>
+            <p:cNvSpPr/>
+            <p:nvPr/>
+          </p:nvSpPr>
+          <p:spPr>
+            <a:xfrm>
+              <a:off x="2632697" y="2706636"/>
+              <a:ext cx="885825" cy="942975"/>
+            </a:xfrm>
+            <a:custGeom>
+              <a:avLst/>
+              <a:gdLst/>
+              <a:ahLst/>
+              <a:cxnLst/>
+              <a:rect l="l" t="t" r="r" b="b"/>
+              <a:pathLst>
+                <a:path w="885825" h="942975">
+                  <a:moveTo>
+                    <a:pt x="0" y="942594"/>
+                  </a:moveTo>
+                  <a:lnTo>
+                    <a:pt x="0" y="0"/>
+                  </a:lnTo>
+                  <a:lnTo>
+                    <a:pt x="885444" y="0"/>
+                  </a:lnTo>
+                  <a:lnTo>
+                    <a:pt x="885444" y="942594"/>
+                  </a:lnTo>
+                  <a:lnTo>
+                    <a:pt x="0" y="942594"/>
+                  </a:lnTo>
+                  <a:close/>
+                </a:path>
+              </a:pathLst>
+            </a:custGeom>
+            <a:ln w="9525">
+              <a:solidFill>
+                <a:srgbClr val="FFFFFF"/>
+              </a:solidFill>
+            </a:ln>
+          </p:spPr>
+          <p:txBody>
+            <a:bodyPr wrap="square" lIns="0" tIns="0" rIns="0" bIns="0" rtlCol="0"/>
+            <a:lstStyle/>
+            <a:p>
+              <a:endParaRPr/>
+            </a:p>
+          </p:txBody>
+        </p:sp>
+        <p:sp>
+          <p:nvSpPr>
+            <p:cNvPr id="9" name="object 9"/>
+            <p:cNvSpPr/>
+            <p:nvPr/>
+          </p:nvSpPr>
+          <p:spPr>
+            <a:xfrm>
+              <a:off x="3870185" y="3649230"/>
+              <a:ext cx="894715" cy="342900"/>
+            </a:xfrm>
+            <a:custGeom>
+              <a:avLst/>
+              <a:gdLst/>
+              <a:ahLst/>
+              <a:cxnLst/>
+              <a:rect l="l" t="t" r="r" b="b"/>
+              <a:pathLst>
+                <a:path w="894714" h="342900">
+                  <a:moveTo>
+                    <a:pt x="0" y="342900"/>
+                  </a:moveTo>
+                  <a:lnTo>
+                    <a:pt x="0" y="0"/>
+                  </a:lnTo>
+                  <a:lnTo>
+                    <a:pt x="894588" y="0"/>
+                  </a:lnTo>
+                  <a:lnTo>
+                    <a:pt x="894588" y="342900"/>
+                  </a:lnTo>
+                  <a:lnTo>
+                    <a:pt x="0" y="342900"/>
+                  </a:lnTo>
+                  <a:close/>
+                </a:path>
+              </a:pathLst>
+            </a:custGeom>
+            <a:solidFill>
+              <a:srgbClr val="C9DFF4"/>
+            </a:solidFill>
+          </p:spPr>
+          <p:txBody>
+            <a:bodyPr wrap="square" lIns="0" tIns="0" rIns="0" bIns="0" rtlCol="0"/>
+            <a:lstStyle/>
+            <a:p>
+              <a:endParaRPr/>
+            </a:p>
+          </p:txBody>
+        </p:sp>
+        <p:sp>
+          <p:nvSpPr>
+            <p:cNvPr id="10" name="object 10"/>
+            <p:cNvSpPr/>
+            <p:nvPr/>
+          </p:nvSpPr>
+          <p:spPr>
+            <a:xfrm>
+              <a:off x="3870185" y="3649230"/>
+              <a:ext cx="894715" cy="342900"/>
+            </a:xfrm>
+            <a:custGeom>
+              <a:avLst/>
+              <a:gdLst/>
+              <a:ahLst/>
+              <a:cxnLst/>
+              <a:rect l="l" t="t" r="r" b="b"/>
+              <a:pathLst>
+                <a:path w="894714" h="342900">
+                  <a:moveTo>
+                    <a:pt x="0" y="342900"/>
+                  </a:moveTo>
+                  <a:lnTo>
+                    <a:pt x="0" y="0"/>
+                  </a:lnTo>
+                  <a:lnTo>
+                    <a:pt x="894588" y="0"/>
+                  </a:lnTo>
+                  <a:lnTo>
+                    <a:pt x="894588" y="342900"/>
+                  </a:lnTo>
+                  <a:lnTo>
+                    <a:pt x="0" y="342900"/>
+                  </a:lnTo>
+                  <a:close/>
+                </a:path>
+              </a:pathLst>
+            </a:custGeom>
+            <a:ln w="9525">
+              <a:solidFill>
+                <a:srgbClr val="FFFFFF"/>
+              </a:solidFill>
+            </a:ln>
+          </p:spPr>
+          <p:txBody>
+            <a:bodyPr wrap="square" lIns="0" tIns="0" rIns="0" bIns="0" rtlCol="0"/>
+            <a:lstStyle/>
+            <a:p>
+              <a:endParaRPr/>
+            </a:p>
+          </p:txBody>
+        </p:sp>
+        <p:sp>
+          <p:nvSpPr>
+            <p:cNvPr id="11" name="object 11"/>
+            <p:cNvSpPr/>
+            <p:nvPr/>
+          </p:nvSpPr>
+          <p:spPr>
+            <a:xfrm>
+              <a:off x="5117579" y="3201936"/>
+              <a:ext cx="894715" cy="790575"/>
+            </a:xfrm>
+            <a:custGeom>
+              <a:avLst/>
+              <a:gdLst/>
+              <a:ahLst/>
+              <a:cxnLst/>
+              <a:rect l="l" t="t" r="r" b="b"/>
+              <a:pathLst>
+                <a:path w="894714" h="790575">
+                  <a:moveTo>
+                    <a:pt x="0" y="790194"/>
+                  </a:moveTo>
+                  <a:lnTo>
+                    <a:pt x="0" y="0"/>
+                  </a:lnTo>
+                  <a:lnTo>
+                    <a:pt x="894588" y="0"/>
+                  </a:lnTo>
+                  <a:lnTo>
+                    <a:pt x="894588" y="790193"/>
+                  </a:lnTo>
+                  <a:lnTo>
+                    <a:pt x="0" y="790194"/>
+                  </a:lnTo>
+                  <a:close/>
+                </a:path>
+              </a:pathLst>
+            </a:custGeom>
+            <a:solidFill>
+              <a:srgbClr val="C9DFF4"/>
+            </a:solidFill>
+          </p:spPr>
+          <p:txBody>
+            <a:bodyPr wrap="square" lIns="0" tIns="0" rIns="0" bIns="0" rtlCol="0"/>
+            <a:lstStyle/>
+            <a:p>
+              <a:endParaRPr/>
+            </a:p>
+          </p:txBody>
+        </p:sp>
+        <p:sp>
+          <p:nvSpPr>
+            <p:cNvPr id="12" name="object 12"/>
+            <p:cNvSpPr/>
+            <p:nvPr/>
+          </p:nvSpPr>
+          <p:spPr>
+            <a:xfrm>
+              <a:off x="5117579" y="3201936"/>
+              <a:ext cx="894715" cy="790575"/>
+            </a:xfrm>
+            <a:custGeom>
+              <a:avLst/>
+              <a:gdLst/>
+              <a:ahLst/>
+              <a:cxnLst/>
+              <a:rect l="l" t="t" r="r" b="b"/>
+              <a:pathLst>
+                <a:path w="894714" h="790575">
+                  <a:moveTo>
+                    <a:pt x="0" y="790194"/>
+                  </a:moveTo>
+                  <a:lnTo>
+                    <a:pt x="0" y="0"/>
+                  </a:lnTo>
+                  <a:lnTo>
+                    <a:pt x="894588" y="0"/>
+                  </a:lnTo>
+                  <a:lnTo>
+                    <a:pt x="894588" y="790193"/>
+                  </a:lnTo>
+                  <a:lnTo>
+                    <a:pt x="0" y="790194"/>
+                  </a:lnTo>
+                  <a:close/>
+                </a:path>
+              </a:pathLst>
+            </a:custGeom>
+            <a:ln w="9525">
+              <a:solidFill>
+                <a:srgbClr val="FFFFFF"/>
+              </a:solidFill>
+            </a:ln>
+          </p:spPr>
+          <p:txBody>
+            <a:bodyPr wrap="square" lIns="0" tIns="0" rIns="0" bIns="0" rtlCol="0"/>
+            <a:lstStyle/>
+            <a:p>
+              <a:endParaRPr/>
+            </a:p>
+          </p:txBody>
+        </p:sp>
+        <p:sp>
+          <p:nvSpPr>
+            <p:cNvPr id="13" name="object 13"/>
+            <p:cNvSpPr/>
+            <p:nvPr/>
+          </p:nvSpPr>
+          <p:spPr>
+            <a:xfrm>
+              <a:off x="6364211" y="2944367"/>
+              <a:ext cx="885825" cy="257810"/>
+            </a:xfrm>
+            <a:custGeom>
+              <a:avLst/>
+              <a:gdLst/>
+              <a:ahLst/>
+              <a:cxnLst/>
+              <a:rect l="l" t="t" r="r" b="b"/>
+              <a:pathLst>
+                <a:path w="885825" h="257810">
+                  <a:moveTo>
+                    <a:pt x="0" y="257556"/>
+                  </a:moveTo>
+                  <a:lnTo>
+                    <a:pt x="0" y="0"/>
+                  </a:lnTo>
+                  <a:lnTo>
+                    <a:pt x="885444" y="0"/>
+                  </a:lnTo>
+                  <a:lnTo>
+                    <a:pt x="885444" y="257556"/>
+                  </a:lnTo>
+                  <a:lnTo>
+                    <a:pt x="0" y="257556"/>
+                  </a:lnTo>
+                  <a:close/>
+                </a:path>
+              </a:pathLst>
+            </a:custGeom>
+            <a:solidFill>
+              <a:srgbClr val="C9DFF4"/>
+            </a:solidFill>
+          </p:spPr>
+          <p:txBody>
+            <a:bodyPr wrap="square" lIns="0" tIns="0" rIns="0" bIns="0" rtlCol="0"/>
+            <a:lstStyle/>
+            <a:p>
+              <a:endParaRPr/>
+            </a:p>
+          </p:txBody>
+        </p:sp>
+        <p:sp>
+          <p:nvSpPr>
+            <p:cNvPr id="14" name="object 14"/>
+            <p:cNvSpPr/>
+            <p:nvPr/>
+          </p:nvSpPr>
+          <p:spPr>
+            <a:xfrm>
+              <a:off x="6364211" y="2944367"/>
+              <a:ext cx="885825" cy="257810"/>
+            </a:xfrm>
+            <a:custGeom>
+              <a:avLst/>
+              <a:gdLst/>
+              <a:ahLst/>
+              <a:cxnLst/>
+              <a:rect l="l" t="t" r="r" b="b"/>
+              <a:pathLst>
+                <a:path w="885825" h="257810">
+                  <a:moveTo>
+                    <a:pt x="0" y="257556"/>
+                  </a:moveTo>
+                  <a:lnTo>
+                    <a:pt x="0" y="0"/>
+                  </a:lnTo>
+                  <a:lnTo>
+                    <a:pt x="885444" y="0"/>
+                  </a:lnTo>
+                  <a:lnTo>
+                    <a:pt x="885444" y="257556"/>
+                  </a:lnTo>
+                  <a:lnTo>
+                    <a:pt x="0" y="257556"/>
+                  </a:lnTo>
+                  <a:close/>
+                </a:path>
+              </a:pathLst>
+            </a:custGeom>
+            <a:ln w="9525">
+              <a:solidFill>
+                <a:srgbClr val="FFFFFF"/>
+              </a:solidFill>
+            </a:ln>
+          </p:spPr>
+          <p:txBody>
+            <a:bodyPr wrap="square" lIns="0" tIns="0" rIns="0" bIns="0" rtlCol="0"/>
+            <a:lstStyle/>
+            <a:p>
+              <a:endParaRPr/>
+            </a:p>
+          </p:txBody>
+        </p:sp>
+        <p:sp>
+          <p:nvSpPr>
+            <p:cNvPr id="15" name="object 15"/>
+            <p:cNvSpPr/>
+            <p:nvPr/>
+          </p:nvSpPr>
+          <p:spPr>
+            <a:xfrm>
+              <a:off x="7601711" y="2706623"/>
+              <a:ext cx="895350" cy="238125"/>
+            </a:xfrm>
+            <a:custGeom>
+              <a:avLst/>
+              <a:gdLst/>
+              <a:ahLst/>
+              <a:cxnLst/>
+              <a:rect l="l" t="t" r="r" b="b"/>
+              <a:pathLst>
+                <a:path w="895350" h="238125">
+                  <a:moveTo>
+                    <a:pt x="0" y="237743"/>
+                  </a:moveTo>
+                  <a:lnTo>
+                    <a:pt x="0" y="0"/>
+                  </a:lnTo>
+                  <a:lnTo>
+                    <a:pt x="895350" y="0"/>
+                  </a:lnTo>
+                  <a:lnTo>
+                    <a:pt x="895350" y="237743"/>
+                  </a:lnTo>
+                  <a:lnTo>
+                    <a:pt x="0" y="237743"/>
+                  </a:lnTo>
+                  <a:close/>
+                </a:path>
+              </a:pathLst>
+            </a:custGeom>
+            <a:solidFill>
+              <a:srgbClr val="C9DFF4"/>
+            </a:solidFill>
+          </p:spPr>
+          <p:txBody>
+            <a:bodyPr wrap="square" lIns="0" tIns="0" rIns="0" bIns="0" rtlCol="0"/>
+            <a:lstStyle/>
+            <a:p>
+              <a:endParaRPr/>
+            </a:p>
+          </p:txBody>
+        </p:sp>
+        <p:sp>
+          <p:nvSpPr>
+            <p:cNvPr id="16" name="object 16"/>
+            <p:cNvSpPr/>
+            <p:nvPr/>
+          </p:nvSpPr>
+          <p:spPr>
+            <a:xfrm>
+              <a:off x="7601711" y="2706623"/>
+              <a:ext cx="895350" cy="238125"/>
+            </a:xfrm>
+            <a:custGeom>
+              <a:avLst/>
+              <a:gdLst/>
+              <a:ahLst/>
+              <a:cxnLst/>
+              <a:rect l="l" t="t" r="r" b="b"/>
+              <a:pathLst>
+                <a:path w="895350" h="238125">
+                  <a:moveTo>
+                    <a:pt x="0" y="237743"/>
+                  </a:moveTo>
+                  <a:lnTo>
+                    <a:pt x="0" y="0"/>
+                  </a:lnTo>
+                  <a:lnTo>
+                    <a:pt x="895350" y="0"/>
+                  </a:lnTo>
+                  <a:lnTo>
+                    <a:pt x="895350" y="237743"/>
+                  </a:lnTo>
+                  <a:lnTo>
+                    <a:pt x="0" y="237743"/>
+                  </a:lnTo>
+                  <a:close/>
+                </a:path>
+              </a:pathLst>
+            </a:custGeom>
+            <a:ln w="9525">
+              <a:solidFill>
+                <a:srgbClr val="FFFFFF"/>
+              </a:solidFill>
+            </a:ln>
+          </p:spPr>
+          <p:txBody>
+            <a:bodyPr wrap="square" lIns="0" tIns="0" rIns="0" bIns="0" rtlCol="0"/>
+            <a:lstStyle/>
+            <a:p>
+              <a:endParaRPr/>
+            </a:p>
+          </p:txBody>
+        </p:sp>
+        <p:sp>
+          <p:nvSpPr>
+            <p:cNvPr id="17" name="object 17"/>
+            <p:cNvSpPr/>
+            <p:nvPr/>
+          </p:nvSpPr>
+          <p:spPr>
+            <a:xfrm>
+              <a:off x="2632697" y="2649473"/>
+              <a:ext cx="885825" cy="57150"/>
+            </a:xfrm>
+            <a:custGeom>
+              <a:avLst/>
+              <a:gdLst/>
+              <a:ahLst/>
+              <a:cxnLst/>
+              <a:rect l="l" t="t" r="r" b="b"/>
+              <a:pathLst>
+                <a:path w="885825" h="57150">
+                  <a:moveTo>
+                    <a:pt x="0" y="57150"/>
+                  </a:moveTo>
+                  <a:lnTo>
+                    <a:pt x="0" y="0"/>
+                  </a:lnTo>
+                  <a:lnTo>
+                    <a:pt x="885444" y="0"/>
+                  </a:lnTo>
+                  <a:lnTo>
+                    <a:pt x="885444" y="57149"/>
+                  </a:lnTo>
+                  <a:lnTo>
+                    <a:pt x="0" y="57150"/>
+                  </a:lnTo>
+                  <a:close/>
+                </a:path>
+              </a:pathLst>
+            </a:custGeom>
+            <a:solidFill>
+              <a:srgbClr val="C9DFF4"/>
+            </a:solidFill>
+          </p:spPr>
+          <p:txBody>
+            <a:bodyPr wrap="square" lIns="0" tIns="0" rIns="0" bIns="0" rtlCol="0"/>
+            <a:lstStyle/>
+            <a:p>
+              <a:endParaRPr/>
+            </a:p>
+          </p:txBody>
+        </p:sp>
+        <p:sp>
+          <p:nvSpPr>
+            <p:cNvPr id="18" name="object 18"/>
+            <p:cNvSpPr/>
+            <p:nvPr/>
+          </p:nvSpPr>
+          <p:spPr>
+            <a:xfrm>
+              <a:off x="2632697" y="2649473"/>
+              <a:ext cx="885825" cy="57150"/>
+            </a:xfrm>
+            <a:custGeom>
+              <a:avLst/>
+              <a:gdLst/>
+              <a:ahLst/>
+              <a:cxnLst/>
+              <a:rect l="l" t="t" r="r" b="b"/>
+              <a:pathLst>
+                <a:path w="885825" h="57150">
+                  <a:moveTo>
+                    <a:pt x="0" y="57150"/>
+                  </a:moveTo>
+                  <a:lnTo>
+                    <a:pt x="0" y="0"/>
+                  </a:lnTo>
+                  <a:lnTo>
+                    <a:pt x="885444" y="0"/>
+                  </a:lnTo>
+                  <a:lnTo>
+                    <a:pt x="885444" y="57149"/>
+                  </a:lnTo>
+                  <a:lnTo>
+                    <a:pt x="0" y="57150"/>
+                  </a:lnTo>
+                  <a:close/>
+                </a:path>
+              </a:pathLst>
+            </a:custGeom>
+            <a:ln w="9525">
+              <a:solidFill>
+                <a:srgbClr val="FFFFFF"/>
+              </a:solidFill>
+            </a:ln>
+          </p:spPr>
+          <p:txBody>
+            <a:bodyPr wrap="square" lIns="0" tIns="0" rIns="0" bIns="0" rtlCol="0"/>
+            <a:lstStyle/>
+            <a:p>
+              <a:endParaRPr/>
+            </a:p>
+          </p:txBody>
+        </p:sp>
+        <p:sp>
+          <p:nvSpPr>
+            <p:cNvPr id="19" name="object 19"/>
+            <p:cNvSpPr/>
+            <p:nvPr/>
+          </p:nvSpPr>
+          <p:spPr>
+            <a:xfrm>
+              <a:off x="1213853" y="2706623"/>
+              <a:ext cx="7464425" cy="0"/>
+            </a:xfrm>
+            <a:custGeom>
+              <a:avLst/>
+              <a:gdLst/>
+              <a:ahLst/>
+              <a:cxnLst/>
+              <a:rect l="l" t="t" r="r" b="b"/>
+              <a:pathLst>
+                <a:path w="7464425">
+                  <a:moveTo>
+                    <a:pt x="0" y="0"/>
+                  </a:moveTo>
+                  <a:lnTo>
+                    <a:pt x="1424939" y="0"/>
+                  </a:lnTo>
+                </a:path>
+                <a:path w="7464425">
+                  <a:moveTo>
+                    <a:pt x="2301240" y="0"/>
+                  </a:moveTo>
+                  <a:lnTo>
+                    <a:pt x="7463802" y="0"/>
+                  </a:lnTo>
+                </a:path>
+              </a:pathLst>
+            </a:custGeom>
+            <a:ln w="28562">
+              <a:solidFill>
+                <a:srgbClr val="231F20"/>
+              </a:solidFill>
+            </a:ln>
+          </p:spPr>
+          <p:txBody>
+            <a:bodyPr wrap="square" lIns="0" tIns="0" rIns="0" bIns="0" rtlCol="0"/>
+            <a:lstStyle/>
+            <a:p>
+              <a:endParaRPr/>
+            </a:p>
+          </p:txBody>
+        </p:sp>
+        <p:sp>
+          <p:nvSpPr>
+            <p:cNvPr id="20" name="object 20"/>
+            <p:cNvSpPr/>
+            <p:nvPr/>
+          </p:nvSpPr>
+          <p:spPr>
+            <a:xfrm>
+              <a:off x="2638793" y="2679953"/>
+              <a:ext cx="876300" cy="54610"/>
+            </a:xfrm>
+            <a:custGeom>
+              <a:avLst/>
+              <a:gdLst/>
+              <a:ahLst/>
+              <a:cxnLst/>
+              <a:rect l="l" t="t" r="r" b="b"/>
+              <a:pathLst>
+                <a:path w="876300" h="54610">
+                  <a:moveTo>
+                    <a:pt x="876300" y="54101"/>
+                  </a:moveTo>
+                  <a:lnTo>
+                    <a:pt x="876300" y="0"/>
+                  </a:lnTo>
+                  <a:lnTo>
+                    <a:pt x="0" y="0"/>
+                  </a:lnTo>
+                  <a:lnTo>
+                    <a:pt x="0" y="54102"/>
+                  </a:lnTo>
+                  <a:lnTo>
+                    <a:pt x="876300" y="54101"/>
+                  </a:lnTo>
+                  <a:close/>
+                </a:path>
+              </a:pathLst>
+            </a:custGeom>
+            <a:solidFill>
+              <a:srgbClr val="C9DFF4"/>
+            </a:solidFill>
+          </p:spPr>
+          <p:txBody>
+            <a:bodyPr wrap="square" lIns="0" tIns="0" rIns="0" bIns="0" rtlCol="0"/>
+            <a:lstStyle/>
+            <a:p>
+              <a:endParaRPr/>
+            </a:p>
+          </p:txBody>
+        </p:sp>
+      </p:grpSp>
+      <p:sp>
+        <p:nvSpPr>
+          <p:cNvPr id="21" name="object 21"/>
+          <p:cNvSpPr txBox="1">
+            <a:spLocks noGrp="1"/>
+          </p:cNvSpPr>
+          <p:nvPr>
+            <p:ph type="title"/>
+          </p:nvPr>
+        </p:nvSpPr>
+        <p:spPr>
+          <a:xfrm>
+            <a:off x="654032" y="736347"/>
+            <a:ext cx="7268209" cy="604520"/>
+          </a:xfrm>
+          <a:prstGeom prst="rect">
+            <a:avLst/>
+          </a:prstGeom>
+        </p:spPr>
+        <p:txBody>
+          <a:bodyPr vert="horz" wrap="square" lIns="0" tIns="12700" rIns="0" bIns="0" rtlCol="0">
+            <a:spAutoFit/>
+          </a:bodyPr>
+          <a:lstStyle/>
+          <a:p>
+            <a:pPr marL="12700" marR="5080">
+              <a:lnSpc>
+                <a:spcPct val="100000"/>
+              </a:lnSpc>
+              <a:spcBef>
+                <a:spcPts val="100"/>
+              </a:spcBef>
+            </a:pPr>
+            <a:r>
+              <a:rPr dirty="0"/>
+              <a:t>Losses</a:t>
+            </a:r>
+            <a:r>
+              <a:rPr spc="-55" dirty="0"/>
+              <a:t> </a:t>
+            </a:r>
+            <a:r>
+              <a:rPr dirty="0"/>
+              <a:t>have</a:t>
+            </a:r>
+            <a:r>
+              <a:rPr spc="-50" dirty="0"/>
+              <a:t> </a:t>
+            </a:r>
+            <a:r>
+              <a:rPr dirty="0"/>
+              <a:t>been</a:t>
+            </a:r>
+            <a:r>
+              <a:rPr spc="-55" dirty="0"/>
+              <a:t> </a:t>
+            </a:r>
+            <a:r>
+              <a:rPr dirty="0"/>
+              <a:t>driven</a:t>
+            </a:r>
+            <a:r>
+              <a:rPr spc="-50" dirty="0"/>
+              <a:t> </a:t>
+            </a:r>
+            <a:r>
+              <a:rPr dirty="0"/>
+              <a:t>by</a:t>
+            </a:r>
+            <a:r>
+              <a:rPr spc="-55" dirty="0"/>
+              <a:t> </a:t>
+            </a:r>
+            <a:r>
+              <a:rPr dirty="0"/>
+              <a:t>volume</a:t>
+            </a:r>
+            <a:r>
+              <a:rPr spc="-50" dirty="0"/>
+              <a:t> </a:t>
+            </a:r>
+            <a:r>
+              <a:rPr dirty="0"/>
+              <a:t>declines,</a:t>
+            </a:r>
+            <a:r>
+              <a:rPr spc="-55" dirty="0"/>
+              <a:t> </a:t>
+            </a:r>
+            <a:r>
+              <a:rPr dirty="0"/>
+              <a:t>RHB</a:t>
+            </a:r>
+            <a:r>
+              <a:rPr spc="-50" dirty="0"/>
+              <a:t> </a:t>
+            </a:r>
+            <a:r>
+              <a:rPr spc="-10" dirty="0"/>
+              <a:t>pre-funding </a:t>
+            </a:r>
+            <a:r>
+              <a:rPr dirty="0"/>
+              <a:t>requirements</a:t>
+            </a:r>
+            <a:r>
+              <a:rPr spc="-45" dirty="0"/>
+              <a:t> </a:t>
+            </a:r>
+            <a:r>
+              <a:rPr dirty="0"/>
+              <a:t>and</a:t>
+            </a:r>
+            <a:r>
+              <a:rPr spc="-45" dirty="0"/>
+              <a:t> </a:t>
+            </a:r>
+            <a:r>
+              <a:rPr dirty="0"/>
+              <a:t>limitations</a:t>
+            </a:r>
+            <a:r>
+              <a:rPr spc="-45" dirty="0"/>
+              <a:t> </a:t>
+            </a:r>
+            <a:r>
+              <a:rPr dirty="0"/>
+              <a:t>on</a:t>
+            </a:r>
+            <a:r>
+              <a:rPr spc="-40" dirty="0"/>
+              <a:t> </a:t>
+            </a:r>
+            <a:r>
+              <a:rPr dirty="0"/>
+              <a:t>cost</a:t>
+            </a:r>
+            <a:r>
+              <a:rPr spc="-45" dirty="0"/>
+              <a:t> </a:t>
+            </a:r>
+            <a:r>
+              <a:rPr spc="-10" dirty="0"/>
+              <a:t>savings</a:t>
+            </a:r>
+          </a:p>
+        </p:txBody>
+      </p:sp>
+      <p:sp>
+        <p:nvSpPr>
+          <p:cNvPr id="22" name="object 22"/>
+          <p:cNvSpPr txBox="1"/>
+          <p:nvPr/>
+        </p:nvSpPr>
+        <p:spPr>
+          <a:xfrm>
+            <a:off x="1373361" y="4079247"/>
+            <a:ext cx="923290" cy="451484"/>
+          </a:xfrm>
+          <a:prstGeom prst="rect">
+            <a:avLst/>
+          </a:prstGeom>
+        </p:spPr>
+        <p:txBody>
+          <a:bodyPr vert="horz" wrap="square" lIns="0" tIns="12065" rIns="0" bIns="0" rtlCol="0">
+            <a:spAutoFit/>
+          </a:bodyPr>
+          <a:lstStyle/>
+          <a:p>
+            <a:pPr marL="12700">
+              <a:lnSpc>
+                <a:spcPts val="1675"/>
+              </a:lnSpc>
+              <a:spcBef>
+                <a:spcPts val="95"/>
+              </a:spcBef>
+            </a:pPr>
+            <a:r>
+              <a:rPr sz="1400" spc="-10" dirty="0">
+                <a:solidFill>
+                  <a:srgbClr val="231F20"/>
+                </a:solidFill>
+                <a:latin typeface="Arial MT"/>
+                <a:cs typeface="Arial MT"/>
+              </a:rPr>
+              <a:t>FY2006</a:t>
+            </a:r>
+            <a:endParaRPr sz="1400">
+              <a:latin typeface="Arial MT"/>
+              <a:cs typeface="Arial MT"/>
+            </a:endParaRPr>
+          </a:p>
+          <a:p>
+            <a:pPr marL="12700">
+              <a:lnSpc>
+                <a:spcPts val="1675"/>
+              </a:lnSpc>
+            </a:pPr>
+            <a:r>
+              <a:rPr sz="1400" dirty="0">
+                <a:solidFill>
+                  <a:srgbClr val="231F20"/>
+                </a:solidFill>
+                <a:latin typeface="Arial MT"/>
+                <a:cs typeface="Arial MT"/>
+              </a:rPr>
+              <a:t>Net</a:t>
+            </a:r>
+            <a:r>
+              <a:rPr sz="1400" spc="-10" dirty="0">
+                <a:solidFill>
+                  <a:srgbClr val="231F20"/>
+                </a:solidFill>
+                <a:latin typeface="Arial MT"/>
+                <a:cs typeface="Arial MT"/>
+              </a:rPr>
+              <a:t> income</a:t>
+            </a:r>
+            <a:endParaRPr sz="1400">
+              <a:latin typeface="Arial MT"/>
+              <a:cs typeface="Arial MT"/>
+            </a:endParaRPr>
+          </a:p>
+        </p:txBody>
+      </p:sp>
+      <p:sp>
+        <p:nvSpPr>
+          <p:cNvPr id="23" name="object 23"/>
+          <p:cNvSpPr txBox="1"/>
+          <p:nvPr/>
+        </p:nvSpPr>
+        <p:spPr>
+          <a:xfrm>
+            <a:off x="6364211" y="2945129"/>
+            <a:ext cx="885825" cy="257175"/>
+          </a:xfrm>
+          <a:prstGeom prst="rect">
+            <a:avLst/>
+          </a:prstGeom>
+        </p:spPr>
+        <p:txBody>
+          <a:bodyPr vert="horz" wrap="square" lIns="0" tIns="19050" rIns="0" bIns="0" rtlCol="0">
+            <a:spAutoFit/>
+          </a:bodyPr>
+          <a:lstStyle/>
+          <a:p>
+            <a:pPr marL="5080" algn="ctr">
+              <a:lnSpc>
+                <a:spcPct val="100000"/>
+              </a:lnSpc>
+              <a:spcBef>
+                <a:spcPts val="150"/>
+              </a:spcBef>
+            </a:pPr>
+            <a:r>
+              <a:rPr sz="1400" spc="-25" dirty="0">
+                <a:solidFill>
+                  <a:srgbClr val="231F20"/>
+                </a:solidFill>
+                <a:latin typeface="Arial MT"/>
+                <a:cs typeface="Arial MT"/>
+              </a:rPr>
+              <a:t>4.0</a:t>
+            </a:r>
+            <a:endParaRPr sz="1400">
+              <a:latin typeface="Arial MT"/>
+              <a:cs typeface="Arial MT"/>
+            </a:endParaRPr>
+          </a:p>
+        </p:txBody>
+      </p:sp>
+      <p:sp>
+        <p:nvSpPr>
+          <p:cNvPr id="24" name="object 24"/>
+          <p:cNvSpPr txBox="1"/>
+          <p:nvPr/>
+        </p:nvSpPr>
+        <p:spPr>
+          <a:xfrm>
+            <a:off x="7593507" y="4079247"/>
+            <a:ext cx="923290" cy="451484"/>
+          </a:xfrm>
+          <a:prstGeom prst="rect">
+            <a:avLst/>
+          </a:prstGeom>
+        </p:spPr>
+        <p:txBody>
+          <a:bodyPr vert="horz" wrap="square" lIns="0" tIns="12065" rIns="0" bIns="0" rtlCol="0">
+            <a:spAutoFit/>
+          </a:bodyPr>
+          <a:lstStyle/>
+          <a:p>
+            <a:pPr marL="12700">
+              <a:lnSpc>
+                <a:spcPts val="1675"/>
+              </a:lnSpc>
+              <a:spcBef>
+                <a:spcPts val="95"/>
+              </a:spcBef>
+            </a:pPr>
+            <a:r>
+              <a:rPr sz="1400" spc="-10" dirty="0">
+                <a:solidFill>
+                  <a:srgbClr val="231F20"/>
+                </a:solidFill>
+                <a:latin typeface="Arial MT"/>
+                <a:cs typeface="Arial MT"/>
+              </a:rPr>
+              <a:t>FY2009</a:t>
+            </a:r>
+            <a:endParaRPr sz="1400">
+              <a:latin typeface="Arial MT"/>
+              <a:cs typeface="Arial MT"/>
+            </a:endParaRPr>
+          </a:p>
+          <a:p>
+            <a:pPr marL="12700">
+              <a:lnSpc>
+                <a:spcPts val="1675"/>
+              </a:lnSpc>
+            </a:pPr>
+            <a:r>
+              <a:rPr sz="1400" dirty="0">
+                <a:solidFill>
+                  <a:srgbClr val="231F20"/>
+                </a:solidFill>
+                <a:latin typeface="Arial MT"/>
+                <a:cs typeface="Arial MT"/>
+              </a:rPr>
+              <a:t>Net</a:t>
+            </a:r>
+            <a:r>
+              <a:rPr sz="1400" spc="-10" dirty="0">
+                <a:solidFill>
+                  <a:srgbClr val="231F20"/>
+                </a:solidFill>
+                <a:latin typeface="Arial MT"/>
+                <a:cs typeface="Arial MT"/>
+              </a:rPr>
+              <a:t> income</a:t>
+            </a:r>
+            <a:endParaRPr sz="1400">
+              <a:latin typeface="Arial MT"/>
+              <a:cs typeface="Arial MT"/>
+            </a:endParaRPr>
+          </a:p>
+        </p:txBody>
+      </p:sp>
+      <p:sp>
+        <p:nvSpPr>
+          <p:cNvPr id="25" name="object 25"/>
+          <p:cNvSpPr txBox="1"/>
+          <p:nvPr/>
+        </p:nvSpPr>
+        <p:spPr>
+          <a:xfrm>
+            <a:off x="7888412" y="2955203"/>
+            <a:ext cx="330200" cy="238760"/>
+          </a:xfrm>
+          <a:prstGeom prst="rect">
+            <a:avLst/>
+          </a:prstGeom>
+        </p:spPr>
+        <p:txBody>
+          <a:bodyPr vert="horz" wrap="square" lIns="0" tIns="12065" rIns="0" bIns="0" rtlCol="0">
+            <a:spAutoFit/>
+          </a:bodyPr>
+          <a:lstStyle/>
+          <a:p>
+            <a:pPr marL="12700">
+              <a:lnSpc>
+                <a:spcPct val="100000"/>
+              </a:lnSpc>
+              <a:spcBef>
+                <a:spcPts val="95"/>
+              </a:spcBef>
+            </a:pPr>
+            <a:r>
+              <a:rPr sz="1400" spc="-10" dirty="0">
+                <a:solidFill>
+                  <a:srgbClr val="231F20"/>
+                </a:solidFill>
+                <a:latin typeface="Arial MT"/>
+                <a:cs typeface="Arial MT"/>
+              </a:rPr>
+              <a:t>-</a:t>
+            </a:r>
+            <a:r>
+              <a:rPr sz="1400" spc="-25" dirty="0">
+                <a:solidFill>
+                  <a:srgbClr val="231F20"/>
+                </a:solidFill>
+                <a:latin typeface="Arial MT"/>
+                <a:cs typeface="Arial MT"/>
+              </a:rPr>
+              <a:t>3.8</a:t>
+            </a:r>
+            <a:endParaRPr sz="1400">
+              <a:latin typeface="Arial MT"/>
+              <a:cs typeface="Arial MT"/>
+            </a:endParaRPr>
+          </a:p>
+        </p:txBody>
+      </p:sp>
+      <p:sp>
+        <p:nvSpPr>
+          <p:cNvPr id="26" name="object 26"/>
+          <p:cNvSpPr txBox="1"/>
+          <p:nvPr/>
+        </p:nvSpPr>
+        <p:spPr>
+          <a:xfrm>
+            <a:off x="6355302" y="4079070"/>
+            <a:ext cx="1051560" cy="238760"/>
+          </a:xfrm>
+          <a:prstGeom prst="rect">
+            <a:avLst/>
+          </a:prstGeom>
+        </p:spPr>
+        <p:txBody>
+          <a:bodyPr vert="horz" wrap="square" lIns="0" tIns="12065" rIns="0" bIns="0" rtlCol="0">
+            <a:spAutoFit/>
+          </a:bodyPr>
+          <a:lstStyle/>
+          <a:p>
+            <a:pPr marL="12700">
+              <a:lnSpc>
+                <a:spcPct val="100000"/>
+              </a:lnSpc>
+              <a:spcBef>
+                <a:spcPts val="95"/>
+              </a:spcBef>
+            </a:pPr>
+            <a:r>
+              <a:rPr sz="1400" dirty="0">
+                <a:solidFill>
+                  <a:srgbClr val="231F20"/>
+                </a:solidFill>
+                <a:latin typeface="Arial MT"/>
+                <a:cs typeface="Arial MT"/>
+              </a:rPr>
+              <a:t>RHB</a:t>
+            </a:r>
+            <a:r>
+              <a:rPr sz="1400" spc="-35" dirty="0">
+                <a:solidFill>
+                  <a:srgbClr val="231F20"/>
+                </a:solidFill>
+                <a:latin typeface="Arial MT"/>
+                <a:cs typeface="Arial MT"/>
+              </a:rPr>
+              <a:t> </a:t>
+            </a:r>
+            <a:r>
+              <a:rPr sz="1400" spc="-10" dirty="0">
+                <a:solidFill>
+                  <a:srgbClr val="231F20"/>
+                </a:solidFill>
+                <a:latin typeface="Arial MT"/>
+                <a:cs typeface="Arial MT"/>
+              </a:rPr>
+              <a:t>deferral</a:t>
+            </a:r>
+            <a:endParaRPr sz="1400">
+              <a:latin typeface="Arial MT"/>
+              <a:cs typeface="Arial MT"/>
+            </a:endParaRPr>
+          </a:p>
+        </p:txBody>
+      </p:sp>
+      <p:sp>
+        <p:nvSpPr>
+          <p:cNvPr id="27" name="object 27"/>
+          <p:cNvSpPr txBox="1"/>
+          <p:nvPr/>
+        </p:nvSpPr>
+        <p:spPr>
+          <a:xfrm>
+            <a:off x="5107153" y="4079070"/>
+            <a:ext cx="1042035" cy="238760"/>
+          </a:xfrm>
+          <a:prstGeom prst="rect">
+            <a:avLst/>
+          </a:prstGeom>
+        </p:spPr>
+        <p:txBody>
+          <a:bodyPr vert="horz" wrap="square" lIns="0" tIns="12065" rIns="0" bIns="0" rtlCol="0">
+            <a:spAutoFit/>
+          </a:bodyPr>
+          <a:lstStyle/>
+          <a:p>
+            <a:pPr marL="12700">
+              <a:lnSpc>
+                <a:spcPct val="100000"/>
+              </a:lnSpc>
+              <a:spcBef>
+                <a:spcPts val="95"/>
+              </a:spcBef>
+            </a:pPr>
+            <a:r>
+              <a:rPr sz="1400" dirty="0">
+                <a:solidFill>
+                  <a:srgbClr val="231F20"/>
+                </a:solidFill>
+                <a:latin typeface="Arial MT"/>
+                <a:cs typeface="Arial MT"/>
+              </a:rPr>
+              <a:t>Cost</a:t>
+            </a:r>
+            <a:r>
+              <a:rPr sz="1400" spc="-35" dirty="0">
+                <a:solidFill>
+                  <a:srgbClr val="231F20"/>
+                </a:solidFill>
+                <a:latin typeface="Arial MT"/>
+                <a:cs typeface="Arial MT"/>
+              </a:rPr>
+              <a:t> </a:t>
+            </a:r>
+            <a:r>
+              <a:rPr sz="1400" spc="-10" dirty="0">
+                <a:solidFill>
+                  <a:srgbClr val="231F20"/>
+                </a:solidFill>
+                <a:latin typeface="Arial MT"/>
+                <a:cs typeface="Arial MT"/>
+              </a:rPr>
+              <a:t>savings</a:t>
+            </a:r>
+            <a:endParaRPr sz="1400">
+              <a:latin typeface="Arial MT"/>
+              <a:cs typeface="Arial MT"/>
+            </a:endParaRPr>
+          </a:p>
+        </p:txBody>
+      </p:sp>
+      <p:sp>
+        <p:nvSpPr>
+          <p:cNvPr id="28" name="object 28"/>
+          <p:cNvSpPr txBox="1"/>
+          <p:nvPr/>
+        </p:nvSpPr>
+        <p:spPr>
+          <a:xfrm>
+            <a:off x="5117579" y="3201923"/>
+            <a:ext cx="894715" cy="791210"/>
+          </a:xfrm>
+          <a:prstGeom prst="rect">
+            <a:avLst/>
+          </a:prstGeom>
+        </p:spPr>
+        <p:txBody>
+          <a:bodyPr vert="horz" wrap="square" lIns="0" tIns="81280" rIns="0" bIns="0" rtlCol="0">
+            <a:spAutoFit/>
+          </a:bodyPr>
+          <a:lstStyle/>
+          <a:p>
+            <a:pPr>
+              <a:lnSpc>
+                <a:spcPct val="100000"/>
+              </a:lnSpc>
+              <a:spcBef>
+                <a:spcPts val="640"/>
+              </a:spcBef>
+            </a:pPr>
+            <a:endParaRPr sz="1400">
+              <a:latin typeface="Times New Roman"/>
+              <a:cs typeface="Times New Roman"/>
+            </a:endParaRPr>
+          </a:p>
+          <a:p>
+            <a:pPr marL="276225">
+              <a:lnSpc>
+                <a:spcPct val="100000"/>
+              </a:lnSpc>
+            </a:pPr>
+            <a:r>
+              <a:rPr sz="1400" spc="-20" dirty="0">
+                <a:solidFill>
+                  <a:srgbClr val="231F20"/>
+                </a:solidFill>
+                <a:latin typeface="Arial MT"/>
+                <a:cs typeface="Arial MT"/>
+              </a:rPr>
+              <a:t>12.6</a:t>
+            </a:r>
+            <a:endParaRPr sz="1400">
+              <a:latin typeface="Arial MT"/>
+              <a:cs typeface="Arial MT"/>
+            </a:endParaRPr>
+          </a:p>
+        </p:txBody>
+      </p:sp>
+      <p:sp>
+        <p:nvSpPr>
+          <p:cNvPr id="29" name="object 29"/>
+          <p:cNvSpPr txBox="1"/>
+          <p:nvPr/>
+        </p:nvSpPr>
+        <p:spPr>
+          <a:xfrm>
+            <a:off x="3859715" y="4079070"/>
+            <a:ext cx="971550" cy="663575"/>
+          </a:xfrm>
+          <a:prstGeom prst="rect">
+            <a:avLst/>
+          </a:prstGeom>
+        </p:spPr>
+        <p:txBody>
+          <a:bodyPr vert="horz" wrap="square" lIns="0" tIns="12065" rIns="0" bIns="0" rtlCol="0">
+            <a:spAutoFit/>
+          </a:bodyPr>
+          <a:lstStyle/>
+          <a:p>
+            <a:pPr marL="12700" marR="5080">
+              <a:lnSpc>
+                <a:spcPct val="100000"/>
+              </a:lnSpc>
+              <a:spcBef>
+                <a:spcPts val="95"/>
+              </a:spcBef>
+            </a:pPr>
+            <a:r>
+              <a:rPr sz="1400" dirty="0">
+                <a:solidFill>
+                  <a:srgbClr val="231F20"/>
+                </a:solidFill>
+                <a:latin typeface="Arial MT"/>
+                <a:cs typeface="Arial MT"/>
+              </a:rPr>
+              <a:t>RHB</a:t>
+            </a:r>
+            <a:r>
+              <a:rPr sz="1400" spc="-35" dirty="0">
+                <a:solidFill>
+                  <a:srgbClr val="231F20"/>
+                </a:solidFill>
+                <a:latin typeface="Arial MT"/>
+                <a:cs typeface="Arial MT"/>
+              </a:rPr>
+              <a:t> </a:t>
+            </a:r>
+            <a:r>
+              <a:rPr sz="1400" spc="-20" dirty="0">
+                <a:solidFill>
+                  <a:srgbClr val="231F20"/>
+                </a:solidFill>
+                <a:latin typeface="Arial MT"/>
+                <a:cs typeface="Arial MT"/>
+              </a:rPr>
+              <a:t>pre- </a:t>
+            </a:r>
+            <a:r>
+              <a:rPr sz="1400" spc="-10" dirty="0">
+                <a:solidFill>
+                  <a:srgbClr val="231F20"/>
+                </a:solidFill>
+                <a:latin typeface="Arial MT"/>
+                <a:cs typeface="Arial MT"/>
+              </a:rPr>
+              <a:t>funding requirement</a:t>
+            </a:r>
+            <a:endParaRPr sz="1400">
+              <a:latin typeface="Arial MT"/>
+              <a:cs typeface="Arial MT"/>
+            </a:endParaRPr>
+          </a:p>
+        </p:txBody>
+      </p:sp>
+      <p:sp>
+        <p:nvSpPr>
+          <p:cNvPr id="30" name="object 30"/>
+          <p:cNvSpPr txBox="1"/>
+          <p:nvPr/>
+        </p:nvSpPr>
+        <p:spPr>
+          <a:xfrm>
+            <a:off x="3870185" y="3649992"/>
+            <a:ext cx="894715" cy="342900"/>
+          </a:xfrm>
+          <a:prstGeom prst="rect">
+            <a:avLst/>
+          </a:prstGeom>
+        </p:spPr>
+        <p:txBody>
+          <a:bodyPr vert="horz" wrap="square" lIns="0" tIns="61594" rIns="0" bIns="0" rtlCol="0">
+            <a:spAutoFit/>
+          </a:bodyPr>
+          <a:lstStyle/>
+          <a:p>
+            <a:pPr marL="3810" algn="ctr">
+              <a:lnSpc>
+                <a:spcPct val="100000"/>
+              </a:lnSpc>
+              <a:spcBef>
+                <a:spcPts val="484"/>
+              </a:spcBef>
+            </a:pPr>
+            <a:r>
+              <a:rPr sz="1400" spc="-25" dirty="0">
+                <a:solidFill>
+                  <a:srgbClr val="231F20"/>
+                </a:solidFill>
+                <a:latin typeface="Arial MT"/>
+                <a:cs typeface="Arial MT"/>
+              </a:rPr>
+              <a:t>5.5</a:t>
+            </a:r>
+            <a:endParaRPr sz="1400">
+              <a:latin typeface="Arial MT"/>
+              <a:cs typeface="Arial MT"/>
+            </a:endParaRPr>
+          </a:p>
+        </p:txBody>
+      </p:sp>
+      <p:sp>
+        <p:nvSpPr>
+          <p:cNvPr id="31" name="object 31"/>
+          <p:cNvSpPr txBox="1"/>
+          <p:nvPr/>
+        </p:nvSpPr>
+        <p:spPr>
+          <a:xfrm>
+            <a:off x="2596109" y="4078892"/>
+            <a:ext cx="786765" cy="451484"/>
+          </a:xfrm>
+          <a:prstGeom prst="rect">
+            <a:avLst/>
+          </a:prstGeom>
+        </p:spPr>
+        <p:txBody>
+          <a:bodyPr vert="horz" wrap="square" lIns="0" tIns="12065" rIns="0" bIns="0" rtlCol="0">
+            <a:spAutoFit/>
+          </a:bodyPr>
+          <a:lstStyle/>
+          <a:p>
+            <a:pPr marL="38100" marR="30480">
+              <a:lnSpc>
+                <a:spcPct val="100000"/>
+              </a:lnSpc>
+              <a:spcBef>
+                <a:spcPts val="95"/>
+              </a:spcBef>
+            </a:pPr>
+            <a:r>
+              <a:rPr sz="1400" spc="-10" dirty="0">
+                <a:solidFill>
+                  <a:srgbClr val="231F20"/>
+                </a:solidFill>
+                <a:latin typeface="Arial MT"/>
+                <a:cs typeface="Arial MT"/>
+              </a:rPr>
+              <a:t>Revenue decline</a:t>
+            </a:r>
+            <a:r>
+              <a:rPr sz="1350" spc="-15" baseline="24691" dirty="0">
+                <a:solidFill>
+                  <a:srgbClr val="231F20"/>
+                </a:solidFill>
+                <a:latin typeface="Arial MT"/>
+                <a:cs typeface="Arial MT"/>
+              </a:rPr>
+              <a:t>1</a:t>
+            </a:r>
+            <a:endParaRPr sz="1350" baseline="24691">
+              <a:latin typeface="Arial MT"/>
+              <a:cs typeface="Arial MT"/>
+            </a:endParaRPr>
+          </a:p>
+        </p:txBody>
+      </p:sp>
+      <p:sp>
+        <p:nvSpPr>
+          <p:cNvPr id="32" name="object 32"/>
+          <p:cNvSpPr txBox="1"/>
+          <p:nvPr/>
+        </p:nvSpPr>
+        <p:spPr>
+          <a:xfrm>
+            <a:off x="2632697" y="2706623"/>
+            <a:ext cx="885825" cy="943610"/>
+          </a:xfrm>
+          <a:prstGeom prst="rect">
+            <a:avLst/>
+          </a:prstGeom>
+        </p:spPr>
+        <p:txBody>
+          <a:bodyPr vert="horz" wrap="square" lIns="0" tIns="129539" rIns="0" bIns="0" rtlCol="0">
+            <a:spAutoFit/>
+          </a:bodyPr>
+          <a:lstStyle/>
+          <a:p>
+            <a:pPr>
+              <a:lnSpc>
+                <a:spcPct val="100000"/>
+              </a:lnSpc>
+              <a:spcBef>
+                <a:spcPts val="1019"/>
+              </a:spcBef>
+            </a:pPr>
+            <a:endParaRPr sz="1400">
+              <a:latin typeface="Times New Roman"/>
+              <a:cs typeface="Times New Roman"/>
+            </a:endParaRPr>
+          </a:p>
+          <a:p>
+            <a:pPr marL="271145">
+              <a:lnSpc>
+                <a:spcPct val="100000"/>
+              </a:lnSpc>
+            </a:pPr>
+            <a:r>
+              <a:rPr sz="1400" spc="-20" dirty="0">
+                <a:solidFill>
+                  <a:srgbClr val="231F20"/>
+                </a:solidFill>
+                <a:latin typeface="Arial MT"/>
+                <a:cs typeface="Arial MT"/>
+              </a:rPr>
+              <a:t>15.8</a:t>
+            </a:r>
+            <a:endParaRPr sz="1400">
+              <a:latin typeface="Arial MT"/>
+              <a:cs typeface="Arial MT"/>
+            </a:endParaRPr>
+          </a:p>
+        </p:txBody>
+      </p:sp>
+      <p:sp>
+        <p:nvSpPr>
+          <p:cNvPr id="33" name="object 33"/>
+          <p:cNvSpPr txBox="1"/>
+          <p:nvPr/>
+        </p:nvSpPr>
+        <p:spPr>
+          <a:xfrm>
+            <a:off x="965690" y="1624841"/>
+            <a:ext cx="5567680" cy="1016635"/>
+          </a:xfrm>
+          <a:prstGeom prst="rect">
+            <a:avLst/>
+          </a:prstGeom>
+        </p:spPr>
+        <p:txBody>
+          <a:bodyPr vert="horz" wrap="square" lIns="0" tIns="12065" rIns="0" bIns="0" rtlCol="0">
+            <a:spAutoFit/>
+          </a:bodyPr>
+          <a:lstStyle/>
+          <a:p>
+            <a:pPr marL="12700">
+              <a:lnSpc>
+                <a:spcPct val="100000"/>
+              </a:lnSpc>
+              <a:spcBef>
+                <a:spcPts val="95"/>
+              </a:spcBef>
+            </a:pPr>
+            <a:r>
+              <a:rPr sz="2000" b="1" dirty="0">
+                <a:solidFill>
+                  <a:srgbClr val="2F67B1"/>
+                </a:solidFill>
+                <a:latin typeface="Arial"/>
+                <a:cs typeface="Arial"/>
+              </a:rPr>
+              <a:t>Drivers</a:t>
+            </a:r>
+            <a:r>
+              <a:rPr sz="2000" b="1" spc="-60" dirty="0">
+                <a:solidFill>
+                  <a:srgbClr val="2F67B1"/>
+                </a:solidFill>
+                <a:latin typeface="Arial"/>
+                <a:cs typeface="Arial"/>
+              </a:rPr>
+              <a:t> </a:t>
+            </a:r>
+            <a:r>
+              <a:rPr sz="2000" b="1" dirty="0">
+                <a:solidFill>
+                  <a:srgbClr val="2F67B1"/>
+                </a:solidFill>
+                <a:latin typeface="Arial"/>
+                <a:cs typeface="Arial"/>
+              </a:rPr>
+              <a:t>of</a:t>
+            </a:r>
+            <a:r>
+              <a:rPr sz="2000" b="1" spc="-60" dirty="0">
+                <a:solidFill>
+                  <a:srgbClr val="2F67B1"/>
+                </a:solidFill>
+                <a:latin typeface="Arial"/>
+                <a:cs typeface="Arial"/>
+              </a:rPr>
+              <a:t> </a:t>
+            </a:r>
+            <a:r>
+              <a:rPr sz="2000" b="1" dirty="0">
+                <a:solidFill>
+                  <a:srgbClr val="2F67B1"/>
+                </a:solidFill>
+                <a:latin typeface="Arial"/>
+                <a:cs typeface="Arial"/>
+              </a:rPr>
+              <a:t>change</a:t>
+            </a:r>
+            <a:r>
+              <a:rPr sz="2000" b="1" spc="-60" dirty="0">
+                <a:solidFill>
+                  <a:srgbClr val="2F67B1"/>
+                </a:solidFill>
+                <a:latin typeface="Arial"/>
+                <a:cs typeface="Arial"/>
+              </a:rPr>
+              <a:t> </a:t>
+            </a:r>
+            <a:r>
+              <a:rPr sz="2000" b="1" dirty="0">
+                <a:solidFill>
+                  <a:srgbClr val="2F67B1"/>
+                </a:solidFill>
+                <a:latin typeface="Arial"/>
+                <a:cs typeface="Arial"/>
+              </a:rPr>
+              <a:t>in</a:t>
+            </a:r>
+            <a:r>
+              <a:rPr sz="2000" b="1" spc="-55" dirty="0">
+                <a:solidFill>
+                  <a:srgbClr val="2F67B1"/>
+                </a:solidFill>
+                <a:latin typeface="Arial"/>
+                <a:cs typeface="Arial"/>
+              </a:rPr>
+              <a:t> </a:t>
+            </a:r>
+            <a:r>
+              <a:rPr sz="2000" b="1" dirty="0">
+                <a:solidFill>
+                  <a:srgbClr val="2F67B1"/>
+                </a:solidFill>
+                <a:latin typeface="Arial"/>
+                <a:cs typeface="Arial"/>
+              </a:rPr>
+              <a:t>net</a:t>
+            </a:r>
+            <a:r>
+              <a:rPr sz="2000" b="1" spc="-60" dirty="0">
+                <a:solidFill>
+                  <a:srgbClr val="2F67B1"/>
+                </a:solidFill>
+                <a:latin typeface="Arial"/>
+                <a:cs typeface="Arial"/>
+              </a:rPr>
+              <a:t> </a:t>
+            </a:r>
+            <a:r>
+              <a:rPr sz="2000" b="1" dirty="0">
+                <a:solidFill>
+                  <a:srgbClr val="2F67B1"/>
+                </a:solidFill>
+                <a:latin typeface="Arial"/>
+                <a:cs typeface="Arial"/>
+              </a:rPr>
+              <a:t>income</a:t>
+            </a:r>
+            <a:r>
+              <a:rPr sz="2000" b="1" spc="-60" dirty="0">
+                <a:solidFill>
+                  <a:srgbClr val="2F67B1"/>
+                </a:solidFill>
+                <a:latin typeface="Arial"/>
+                <a:cs typeface="Arial"/>
+              </a:rPr>
+              <a:t> </a:t>
+            </a:r>
+            <a:r>
+              <a:rPr sz="2000" b="1" dirty="0">
+                <a:solidFill>
+                  <a:srgbClr val="2F67B1"/>
+                </a:solidFill>
+                <a:latin typeface="Arial"/>
+                <a:cs typeface="Arial"/>
+              </a:rPr>
+              <a:t>2006</a:t>
+            </a:r>
+            <a:r>
+              <a:rPr sz="2000" b="1" spc="-55" dirty="0">
+                <a:solidFill>
+                  <a:srgbClr val="2F67B1"/>
+                </a:solidFill>
+                <a:latin typeface="Arial"/>
+                <a:cs typeface="Arial"/>
+              </a:rPr>
+              <a:t> </a:t>
+            </a:r>
+            <a:r>
+              <a:rPr sz="2000" b="1" dirty="0">
+                <a:solidFill>
+                  <a:srgbClr val="2F67B1"/>
+                </a:solidFill>
+                <a:latin typeface="Arial"/>
+                <a:cs typeface="Arial"/>
+              </a:rPr>
+              <a:t>vs.</a:t>
+            </a:r>
+            <a:r>
+              <a:rPr sz="2000" b="1" spc="-60" dirty="0">
+                <a:solidFill>
+                  <a:srgbClr val="2F67B1"/>
+                </a:solidFill>
+                <a:latin typeface="Arial"/>
+                <a:cs typeface="Arial"/>
+              </a:rPr>
+              <a:t> </a:t>
+            </a:r>
+            <a:r>
+              <a:rPr sz="2000" b="1" spc="-20" dirty="0">
+                <a:solidFill>
+                  <a:srgbClr val="2F67B1"/>
+                </a:solidFill>
+                <a:latin typeface="Arial"/>
+                <a:cs typeface="Arial"/>
+              </a:rPr>
+              <a:t>2009</a:t>
+            </a:r>
+            <a:endParaRPr sz="2000">
+              <a:latin typeface="Arial"/>
+              <a:cs typeface="Arial"/>
+            </a:endParaRPr>
+          </a:p>
+          <a:p>
+            <a:pPr marL="12700">
+              <a:lnSpc>
+                <a:spcPct val="100000"/>
+              </a:lnSpc>
+              <a:spcBef>
+                <a:spcPts val="20"/>
+              </a:spcBef>
+            </a:pPr>
+            <a:r>
+              <a:rPr sz="1600" dirty="0">
+                <a:solidFill>
+                  <a:srgbClr val="939598"/>
+                </a:solidFill>
+                <a:latin typeface="Arial MT"/>
+                <a:cs typeface="Arial MT"/>
+              </a:rPr>
+              <a:t>$</a:t>
+            </a:r>
+            <a:r>
+              <a:rPr sz="1600" spc="-5" dirty="0">
+                <a:solidFill>
+                  <a:srgbClr val="939598"/>
+                </a:solidFill>
+                <a:latin typeface="Arial MT"/>
+                <a:cs typeface="Arial MT"/>
+              </a:rPr>
+              <a:t> </a:t>
+            </a:r>
+            <a:r>
+              <a:rPr sz="1600" spc="-10" dirty="0">
+                <a:solidFill>
+                  <a:srgbClr val="939598"/>
+                </a:solidFill>
+                <a:latin typeface="Arial MT"/>
+                <a:cs typeface="Arial MT"/>
+              </a:rPr>
+              <a:t>billions</a:t>
+            </a:r>
+            <a:endParaRPr sz="1600">
+              <a:latin typeface="Arial MT"/>
+              <a:cs typeface="Arial MT"/>
+            </a:endParaRPr>
+          </a:p>
+          <a:p>
+            <a:pPr marL="753110">
+              <a:lnSpc>
+                <a:spcPct val="100000"/>
+              </a:lnSpc>
+              <a:spcBef>
+                <a:spcPts val="1780"/>
+              </a:spcBef>
+              <a:tabLst>
+                <a:tab pos="1315085" algn="l"/>
+                <a:tab pos="1667510" algn="l"/>
+              </a:tabLst>
+            </a:pPr>
+            <a:r>
+              <a:rPr sz="1400" spc="-25" dirty="0">
+                <a:solidFill>
+                  <a:srgbClr val="231F20"/>
+                </a:solidFill>
+                <a:latin typeface="Arial MT"/>
+                <a:cs typeface="Arial MT"/>
+              </a:rPr>
+              <a:t>0.9</a:t>
+            </a:r>
+            <a:r>
+              <a:rPr sz="1400" dirty="0">
+                <a:solidFill>
+                  <a:srgbClr val="231F20"/>
+                </a:solidFill>
+                <a:latin typeface="Arial MT"/>
+                <a:cs typeface="Arial MT"/>
+              </a:rPr>
+              <a:t>	</a:t>
+            </a:r>
+            <a:r>
+              <a:rPr sz="1400" u="dash" dirty="0">
+                <a:solidFill>
+                  <a:srgbClr val="231F20"/>
+                </a:solidFill>
+                <a:uFill>
+                  <a:solidFill>
+                    <a:srgbClr val="010202"/>
+                  </a:solidFill>
+                </a:uFill>
+                <a:latin typeface="Arial MT"/>
+                <a:cs typeface="Arial MT"/>
+              </a:rPr>
+              <a:t>	</a:t>
+            </a:r>
+            <a:endParaRPr sz="1400">
+              <a:latin typeface="Arial MT"/>
+              <a:cs typeface="Arial MT"/>
+            </a:endParaRPr>
+          </a:p>
+        </p:txBody>
+      </p:sp>
+      <p:grpSp>
+        <p:nvGrpSpPr>
+          <p:cNvPr id="34" name="object 34"/>
+          <p:cNvGrpSpPr/>
+          <p:nvPr/>
+        </p:nvGrpSpPr>
+        <p:grpSpPr>
+          <a:xfrm>
+            <a:off x="837044" y="1562480"/>
+            <a:ext cx="8392795" cy="4827905"/>
+            <a:chOff x="837044" y="1562480"/>
+            <a:chExt cx="8392795" cy="4827905"/>
+          </a:xfrm>
+        </p:grpSpPr>
+        <p:sp>
+          <p:nvSpPr>
+            <p:cNvPr id="35" name="object 35"/>
+            <p:cNvSpPr/>
+            <p:nvPr/>
+          </p:nvSpPr>
+          <p:spPr>
+            <a:xfrm>
+              <a:off x="846569" y="1572005"/>
+              <a:ext cx="8373745" cy="4808855"/>
+            </a:xfrm>
+            <a:custGeom>
+              <a:avLst/>
+              <a:gdLst/>
+              <a:ahLst/>
+              <a:cxnLst/>
+              <a:rect l="l" t="t" r="r" b="b"/>
+              <a:pathLst>
+                <a:path w="8373745" h="4808855">
+                  <a:moveTo>
+                    <a:pt x="0" y="0"/>
+                  </a:moveTo>
+                  <a:lnTo>
+                    <a:pt x="0" y="4808232"/>
+                  </a:lnTo>
+                  <a:lnTo>
+                    <a:pt x="8373630" y="4808232"/>
+                  </a:lnTo>
+                  <a:lnTo>
+                    <a:pt x="8373630" y="0"/>
+                  </a:lnTo>
+                  <a:lnTo>
+                    <a:pt x="0" y="0"/>
+                  </a:lnTo>
+                  <a:close/>
+                </a:path>
+              </a:pathLst>
+            </a:custGeom>
+            <a:ln w="19050">
+              <a:solidFill>
+                <a:srgbClr val="C9DFF4"/>
+              </a:solidFill>
+            </a:ln>
+          </p:spPr>
+          <p:txBody>
+            <a:bodyPr wrap="square" lIns="0" tIns="0" rIns="0" bIns="0" rtlCol="0"/>
+            <a:lstStyle/>
+            <a:p>
+              <a:endParaRPr/>
+            </a:p>
+          </p:txBody>
+        </p:sp>
+        <p:sp>
+          <p:nvSpPr>
+            <p:cNvPr id="36" name="object 36"/>
+            <p:cNvSpPr/>
+            <p:nvPr/>
+          </p:nvSpPr>
+          <p:spPr>
+            <a:xfrm>
+              <a:off x="1257287" y="4602492"/>
+              <a:ext cx="3399790" cy="1575435"/>
+            </a:xfrm>
+            <a:custGeom>
+              <a:avLst/>
+              <a:gdLst/>
+              <a:ahLst/>
+              <a:cxnLst/>
+              <a:rect l="l" t="t" r="r" b="b"/>
+              <a:pathLst>
+                <a:path w="3399790" h="1575435">
+                  <a:moveTo>
+                    <a:pt x="3399294" y="1575054"/>
+                  </a:moveTo>
+                  <a:lnTo>
+                    <a:pt x="3399294" y="352044"/>
+                  </a:lnTo>
+                  <a:lnTo>
+                    <a:pt x="2832354" y="352044"/>
+                  </a:lnTo>
+                  <a:lnTo>
+                    <a:pt x="1908048" y="0"/>
+                  </a:lnTo>
+                  <a:lnTo>
+                    <a:pt x="1982724" y="352044"/>
+                  </a:lnTo>
+                  <a:lnTo>
+                    <a:pt x="0" y="352044"/>
+                  </a:lnTo>
+                  <a:lnTo>
+                    <a:pt x="0" y="1575054"/>
+                  </a:lnTo>
+                  <a:lnTo>
+                    <a:pt x="3399294" y="1575054"/>
+                  </a:lnTo>
+                  <a:close/>
+                </a:path>
+              </a:pathLst>
+            </a:custGeom>
+            <a:solidFill>
+              <a:srgbClr val="808080"/>
+            </a:solidFill>
+          </p:spPr>
+          <p:txBody>
+            <a:bodyPr wrap="square" lIns="0" tIns="0" rIns="0" bIns="0" rtlCol="0"/>
+            <a:lstStyle/>
+            <a:p>
+              <a:endParaRPr/>
+            </a:p>
+          </p:txBody>
+        </p:sp>
+        <p:sp>
+          <p:nvSpPr>
+            <p:cNvPr id="37" name="object 37"/>
+            <p:cNvSpPr/>
+            <p:nvPr/>
+          </p:nvSpPr>
+          <p:spPr>
+            <a:xfrm>
+              <a:off x="1232141" y="4577346"/>
+              <a:ext cx="3399154" cy="1574800"/>
+            </a:xfrm>
+            <a:custGeom>
+              <a:avLst/>
+              <a:gdLst/>
+              <a:ahLst/>
+              <a:cxnLst/>
+              <a:rect l="l" t="t" r="r" b="b"/>
+              <a:pathLst>
+                <a:path w="3399154" h="1574800">
+                  <a:moveTo>
+                    <a:pt x="3398532" y="1574291"/>
+                  </a:moveTo>
+                  <a:lnTo>
+                    <a:pt x="3398532" y="352043"/>
+                  </a:lnTo>
+                  <a:lnTo>
+                    <a:pt x="2832354" y="352043"/>
+                  </a:lnTo>
+                  <a:lnTo>
+                    <a:pt x="1908048" y="0"/>
+                  </a:lnTo>
+                  <a:lnTo>
+                    <a:pt x="1982724" y="352043"/>
+                  </a:lnTo>
+                  <a:lnTo>
+                    <a:pt x="0" y="352043"/>
+                  </a:lnTo>
+                  <a:lnTo>
+                    <a:pt x="0" y="1574291"/>
+                  </a:lnTo>
+                  <a:lnTo>
+                    <a:pt x="3398532" y="1574291"/>
+                  </a:lnTo>
+                  <a:close/>
+                </a:path>
+              </a:pathLst>
+            </a:custGeom>
+            <a:solidFill>
+              <a:srgbClr val="FFFFFF"/>
+            </a:solidFill>
+          </p:spPr>
+          <p:txBody>
+            <a:bodyPr wrap="square" lIns="0" tIns="0" rIns="0" bIns="0" rtlCol="0"/>
+            <a:lstStyle/>
+            <a:p>
+              <a:endParaRPr/>
+            </a:p>
+          </p:txBody>
+        </p:sp>
+        <p:sp>
+          <p:nvSpPr>
+            <p:cNvPr id="38" name="object 38"/>
+            <p:cNvSpPr/>
+            <p:nvPr/>
+          </p:nvSpPr>
+          <p:spPr>
+            <a:xfrm>
+              <a:off x="1232141" y="4577346"/>
+              <a:ext cx="3399154" cy="1574800"/>
+            </a:xfrm>
+            <a:custGeom>
+              <a:avLst/>
+              <a:gdLst/>
+              <a:ahLst/>
+              <a:cxnLst/>
+              <a:rect l="l" t="t" r="r" b="b"/>
+              <a:pathLst>
+                <a:path w="3399154" h="1574800">
+                  <a:moveTo>
+                    <a:pt x="0" y="352043"/>
+                  </a:moveTo>
+                  <a:lnTo>
+                    <a:pt x="0" y="1574291"/>
+                  </a:lnTo>
+                  <a:lnTo>
+                    <a:pt x="3398532" y="1574291"/>
+                  </a:lnTo>
+                  <a:lnTo>
+                    <a:pt x="3398532" y="352043"/>
+                  </a:lnTo>
+                  <a:lnTo>
+                    <a:pt x="2832354" y="352043"/>
+                  </a:lnTo>
+                  <a:lnTo>
+                    <a:pt x="1908048" y="0"/>
+                  </a:lnTo>
+                  <a:lnTo>
+                    <a:pt x="1982724" y="352043"/>
+                  </a:lnTo>
+                  <a:lnTo>
+                    <a:pt x="0" y="352043"/>
+                  </a:lnTo>
+                  <a:close/>
+                </a:path>
+              </a:pathLst>
+            </a:custGeom>
+            <a:ln w="9525">
+              <a:solidFill>
+                <a:srgbClr val="2E67B2"/>
+              </a:solidFill>
+            </a:ln>
+          </p:spPr>
+          <p:txBody>
+            <a:bodyPr wrap="square" lIns="0" tIns="0" rIns="0" bIns="0" rtlCol="0"/>
+            <a:lstStyle/>
+            <a:p>
+              <a:endParaRPr/>
+            </a:p>
+          </p:txBody>
+        </p:sp>
+      </p:grpSp>
+      <p:sp>
+        <p:nvSpPr>
+          <p:cNvPr id="39" name="object 39"/>
+          <p:cNvSpPr txBox="1"/>
+          <p:nvPr/>
+        </p:nvSpPr>
+        <p:spPr>
+          <a:xfrm>
+            <a:off x="1336785" y="4993650"/>
+            <a:ext cx="3013710" cy="883919"/>
+          </a:xfrm>
+          <a:prstGeom prst="rect">
+            <a:avLst/>
+          </a:prstGeom>
+        </p:spPr>
+        <p:txBody>
+          <a:bodyPr vert="horz" wrap="square" lIns="0" tIns="12065" rIns="0" bIns="0" rtlCol="0">
+            <a:spAutoFit/>
+          </a:bodyPr>
+          <a:lstStyle/>
+          <a:p>
+            <a:pPr marL="203835" indent="-203200">
+              <a:lnSpc>
+                <a:spcPts val="1525"/>
+              </a:lnSpc>
+              <a:spcBef>
+                <a:spcPts val="95"/>
+              </a:spcBef>
+              <a:buClr>
+                <a:srgbClr val="1E2D5D"/>
+              </a:buClr>
+              <a:buSzPct val="107142"/>
+              <a:buChar char="▪"/>
+              <a:tabLst>
+                <a:tab pos="203835" algn="l"/>
+              </a:tabLst>
+            </a:pPr>
+            <a:r>
+              <a:rPr sz="1400" dirty="0">
+                <a:solidFill>
+                  <a:srgbClr val="231F20"/>
+                </a:solidFill>
+                <a:latin typeface="Arial MT"/>
+                <a:cs typeface="Arial MT"/>
+              </a:rPr>
+              <a:t>Volume</a:t>
+            </a:r>
+            <a:r>
+              <a:rPr sz="1400" spc="-35" dirty="0">
+                <a:solidFill>
+                  <a:srgbClr val="231F20"/>
+                </a:solidFill>
+                <a:latin typeface="Arial MT"/>
+                <a:cs typeface="Arial MT"/>
+              </a:rPr>
+              <a:t> </a:t>
+            </a:r>
+            <a:r>
+              <a:rPr sz="1400" dirty="0">
+                <a:solidFill>
+                  <a:srgbClr val="231F20"/>
+                </a:solidFill>
+                <a:latin typeface="Arial MT"/>
+                <a:cs typeface="Arial MT"/>
+              </a:rPr>
+              <a:t>declines</a:t>
+            </a:r>
+            <a:r>
+              <a:rPr sz="1400" spc="-30" dirty="0">
+                <a:solidFill>
+                  <a:srgbClr val="231F20"/>
+                </a:solidFill>
+                <a:latin typeface="Arial MT"/>
+                <a:cs typeface="Arial MT"/>
+              </a:rPr>
+              <a:t> </a:t>
+            </a:r>
+            <a:r>
+              <a:rPr sz="1400" dirty="0">
+                <a:solidFill>
+                  <a:srgbClr val="231F20"/>
+                </a:solidFill>
+                <a:latin typeface="Arial MT"/>
+                <a:cs typeface="Arial MT"/>
+              </a:rPr>
+              <a:t>of</a:t>
+            </a:r>
+            <a:r>
+              <a:rPr sz="1400" spc="-25" dirty="0">
+                <a:solidFill>
+                  <a:srgbClr val="231F20"/>
+                </a:solidFill>
+                <a:latin typeface="Arial MT"/>
+                <a:cs typeface="Arial MT"/>
+              </a:rPr>
+              <a:t> </a:t>
+            </a:r>
+            <a:r>
+              <a:rPr sz="1400" dirty="0">
+                <a:solidFill>
+                  <a:srgbClr val="231F20"/>
+                </a:solidFill>
+                <a:latin typeface="Arial MT"/>
+                <a:cs typeface="Arial MT"/>
+              </a:rPr>
+              <a:t>17%,</a:t>
+            </a:r>
+            <a:r>
+              <a:rPr sz="1400" spc="-30" dirty="0">
+                <a:solidFill>
+                  <a:srgbClr val="231F20"/>
+                </a:solidFill>
+                <a:latin typeface="Arial MT"/>
+                <a:cs typeface="Arial MT"/>
+              </a:rPr>
+              <a:t> </a:t>
+            </a:r>
+            <a:r>
+              <a:rPr sz="1400" dirty="0">
+                <a:solidFill>
+                  <a:srgbClr val="231F20"/>
+                </a:solidFill>
+                <a:latin typeface="Arial MT"/>
+                <a:cs typeface="Arial MT"/>
+              </a:rPr>
+              <a:t>driven</a:t>
+            </a:r>
+            <a:r>
+              <a:rPr sz="1400" spc="-35" dirty="0">
+                <a:solidFill>
+                  <a:srgbClr val="231F20"/>
+                </a:solidFill>
+                <a:latin typeface="Arial MT"/>
+                <a:cs typeface="Arial MT"/>
+              </a:rPr>
+              <a:t> </a:t>
+            </a:r>
+            <a:r>
+              <a:rPr sz="1400" spc="-25" dirty="0">
+                <a:solidFill>
+                  <a:srgbClr val="231F20"/>
+                </a:solidFill>
+                <a:latin typeface="Arial MT"/>
+                <a:cs typeface="Arial MT"/>
+              </a:rPr>
+              <a:t>by</a:t>
+            </a:r>
+            <a:endParaRPr sz="1400">
+              <a:latin typeface="Arial MT"/>
+              <a:cs typeface="Arial MT"/>
+            </a:endParaRPr>
+          </a:p>
+          <a:p>
+            <a:pPr marL="467995" lvl="1" indent="-262255">
+              <a:lnSpc>
+                <a:spcPts val="1705"/>
+              </a:lnSpc>
+              <a:buClr>
+                <a:srgbClr val="1E2D5D"/>
+              </a:buClr>
+              <a:buSzPct val="121428"/>
+              <a:buChar char="–"/>
+              <a:tabLst>
+                <a:tab pos="467995" algn="l"/>
+              </a:tabLst>
+            </a:pPr>
+            <a:r>
+              <a:rPr sz="1400" spc="-10" dirty="0">
+                <a:solidFill>
+                  <a:srgbClr val="231F20"/>
+                </a:solidFill>
+                <a:latin typeface="Arial MT"/>
+                <a:cs typeface="Arial MT"/>
+              </a:rPr>
+              <a:t>E-substitution</a:t>
+            </a:r>
+            <a:endParaRPr sz="1400">
+              <a:latin typeface="Arial MT"/>
+              <a:cs typeface="Arial MT"/>
+            </a:endParaRPr>
+          </a:p>
+          <a:p>
+            <a:pPr marL="467995" lvl="1" indent="-262255">
+              <a:lnSpc>
+                <a:spcPts val="1675"/>
+              </a:lnSpc>
+              <a:buClr>
+                <a:srgbClr val="1E2D5D"/>
+              </a:buClr>
+              <a:buSzPct val="121428"/>
+              <a:buChar char="–"/>
+              <a:tabLst>
+                <a:tab pos="467995" algn="l"/>
+              </a:tabLst>
+            </a:pPr>
+            <a:r>
+              <a:rPr sz="1400" dirty="0">
+                <a:solidFill>
+                  <a:srgbClr val="231F20"/>
+                </a:solidFill>
+                <a:latin typeface="Arial MT"/>
+                <a:cs typeface="Arial MT"/>
+              </a:rPr>
+              <a:t>Ad</a:t>
+            </a:r>
+            <a:r>
+              <a:rPr sz="1400" spc="-25" dirty="0">
+                <a:solidFill>
+                  <a:srgbClr val="231F20"/>
+                </a:solidFill>
+                <a:latin typeface="Arial MT"/>
+                <a:cs typeface="Arial MT"/>
+              </a:rPr>
+              <a:t> </a:t>
+            </a:r>
+            <a:r>
+              <a:rPr sz="1400" dirty="0">
+                <a:solidFill>
+                  <a:srgbClr val="231F20"/>
+                </a:solidFill>
+                <a:latin typeface="Arial MT"/>
+                <a:cs typeface="Arial MT"/>
+              </a:rPr>
+              <a:t>spend</a:t>
+            </a:r>
+            <a:r>
+              <a:rPr sz="1400" spc="-20" dirty="0">
+                <a:solidFill>
+                  <a:srgbClr val="231F20"/>
+                </a:solidFill>
+                <a:latin typeface="Arial MT"/>
+                <a:cs typeface="Arial MT"/>
+              </a:rPr>
+              <a:t> </a:t>
+            </a:r>
+            <a:r>
+              <a:rPr sz="1400" dirty="0">
+                <a:solidFill>
+                  <a:srgbClr val="231F20"/>
+                </a:solidFill>
+                <a:latin typeface="Arial MT"/>
+                <a:cs typeface="Arial MT"/>
+              </a:rPr>
+              <a:t>shift</a:t>
+            </a:r>
+            <a:r>
+              <a:rPr sz="1400" spc="-25" dirty="0">
+                <a:solidFill>
+                  <a:srgbClr val="231F20"/>
+                </a:solidFill>
+                <a:latin typeface="Arial MT"/>
+                <a:cs typeface="Arial MT"/>
+              </a:rPr>
+              <a:t> </a:t>
+            </a:r>
+            <a:r>
+              <a:rPr sz="1400" dirty="0">
+                <a:solidFill>
+                  <a:srgbClr val="231F20"/>
+                </a:solidFill>
+                <a:latin typeface="Arial MT"/>
+                <a:cs typeface="Arial MT"/>
+              </a:rPr>
+              <a:t>to</a:t>
+            </a:r>
+            <a:r>
+              <a:rPr sz="1400" spc="-10" dirty="0">
+                <a:solidFill>
+                  <a:srgbClr val="231F20"/>
+                </a:solidFill>
+                <a:latin typeface="Arial MT"/>
+                <a:cs typeface="Arial MT"/>
+              </a:rPr>
+              <a:t> </a:t>
+            </a:r>
+            <a:r>
+              <a:rPr sz="1400" dirty="0">
+                <a:solidFill>
+                  <a:srgbClr val="231F20"/>
+                </a:solidFill>
+                <a:latin typeface="Arial MT"/>
+                <a:cs typeface="Arial MT"/>
+              </a:rPr>
+              <a:t>other</a:t>
+            </a:r>
+            <a:r>
+              <a:rPr sz="1400" spc="-25" dirty="0">
+                <a:solidFill>
+                  <a:srgbClr val="231F20"/>
+                </a:solidFill>
+                <a:latin typeface="Arial MT"/>
+                <a:cs typeface="Arial MT"/>
+              </a:rPr>
+              <a:t> </a:t>
+            </a:r>
+            <a:r>
+              <a:rPr sz="1400" spc="-10" dirty="0">
+                <a:solidFill>
+                  <a:srgbClr val="231F20"/>
+                </a:solidFill>
+                <a:latin typeface="Arial MT"/>
+                <a:cs typeface="Arial MT"/>
+              </a:rPr>
+              <a:t>channels</a:t>
+            </a:r>
+            <a:endParaRPr sz="1400">
+              <a:latin typeface="Arial MT"/>
+              <a:cs typeface="Arial MT"/>
+            </a:endParaRPr>
+          </a:p>
+          <a:p>
+            <a:pPr marL="467995" lvl="1" indent="-262255">
+              <a:lnSpc>
+                <a:spcPts val="1855"/>
+              </a:lnSpc>
+              <a:buClr>
+                <a:srgbClr val="1E2D5D"/>
+              </a:buClr>
+              <a:buSzPct val="121428"/>
+              <a:buChar char="–"/>
+              <a:tabLst>
+                <a:tab pos="467995" algn="l"/>
+              </a:tabLst>
+            </a:pPr>
+            <a:r>
+              <a:rPr sz="1400" dirty="0">
+                <a:solidFill>
+                  <a:srgbClr val="231F20"/>
+                </a:solidFill>
+                <a:latin typeface="Arial MT"/>
+                <a:cs typeface="Arial MT"/>
+              </a:rPr>
+              <a:t>Deep</a:t>
+            </a:r>
+            <a:r>
+              <a:rPr sz="1400" spc="-25" dirty="0">
+                <a:solidFill>
+                  <a:srgbClr val="231F20"/>
+                </a:solidFill>
+                <a:latin typeface="Arial MT"/>
+                <a:cs typeface="Arial MT"/>
+              </a:rPr>
+              <a:t> </a:t>
+            </a:r>
+            <a:r>
+              <a:rPr sz="1400" spc="-10" dirty="0">
+                <a:solidFill>
+                  <a:srgbClr val="231F20"/>
+                </a:solidFill>
+                <a:latin typeface="Arial MT"/>
+                <a:cs typeface="Arial MT"/>
+              </a:rPr>
+              <a:t>recession</a:t>
+            </a:r>
+            <a:endParaRPr sz="1400">
+              <a:latin typeface="Arial MT"/>
+              <a:cs typeface="Arial MT"/>
+            </a:endParaRPr>
+          </a:p>
+        </p:txBody>
+      </p:sp>
+      <p:grpSp>
+        <p:nvGrpSpPr>
+          <p:cNvPr id="40" name="object 40"/>
+          <p:cNvGrpSpPr/>
+          <p:nvPr/>
+        </p:nvGrpSpPr>
+        <p:grpSpPr>
+          <a:xfrm>
+            <a:off x="5399328" y="4427804"/>
+            <a:ext cx="2991485" cy="1750060"/>
+            <a:chOff x="5399328" y="4427804"/>
+            <a:chExt cx="2991485" cy="1750060"/>
+          </a:xfrm>
+        </p:grpSpPr>
+        <p:sp>
+          <p:nvSpPr>
+            <p:cNvPr id="41" name="object 41"/>
+            <p:cNvSpPr/>
+            <p:nvPr/>
+          </p:nvSpPr>
+          <p:spPr>
+            <a:xfrm>
+              <a:off x="5429237" y="4457712"/>
+              <a:ext cx="2961640" cy="1720214"/>
+            </a:xfrm>
+            <a:custGeom>
+              <a:avLst/>
+              <a:gdLst/>
+              <a:ahLst/>
+              <a:cxnLst/>
+              <a:rect l="l" t="t" r="r" b="b"/>
+              <a:pathLst>
+                <a:path w="2961640" h="1720214">
+                  <a:moveTo>
+                    <a:pt x="2961132" y="1719833"/>
+                  </a:moveTo>
+                  <a:lnTo>
+                    <a:pt x="2961132" y="496823"/>
+                  </a:lnTo>
+                  <a:lnTo>
+                    <a:pt x="1233678" y="496823"/>
+                  </a:lnTo>
+                  <a:lnTo>
+                    <a:pt x="244601" y="0"/>
+                  </a:lnTo>
+                  <a:lnTo>
+                    <a:pt x="493776" y="496824"/>
+                  </a:lnTo>
+                  <a:lnTo>
+                    <a:pt x="0" y="496824"/>
+                  </a:lnTo>
+                  <a:lnTo>
+                    <a:pt x="0" y="1719834"/>
+                  </a:lnTo>
+                  <a:lnTo>
+                    <a:pt x="2961132" y="1719833"/>
+                  </a:lnTo>
+                  <a:close/>
+                </a:path>
+              </a:pathLst>
+            </a:custGeom>
+            <a:solidFill>
+              <a:srgbClr val="808080"/>
+            </a:solidFill>
+          </p:spPr>
+          <p:txBody>
+            <a:bodyPr wrap="square" lIns="0" tIns="0" rIns="0" bIns="0" rtlCol="0"/>
+            <a:lstStyle/>
+            <a:p>
+              <a:endParaRPr/>
+            </a:p>
+          </p:txBody>
+        </p:sp>
+        <p:sp>
+          <p:nvSpPr>
+            <p:cNvPr id="42" name="object 42"/>
+            <p:cNvSpPr/>
+            <p:nvPr/>
+          </p:nvSpPr>
+          <p:spPr>
+            <a:xfrm>
+              <a:off x="5404091" y="4432566"/>
+              <a:ext cx="2960370" cy="1719580"/>
+            </a:xfrm>
+            <a:custGeom>
+              <a:avLst/>
+              <a:gdLst/>
+              <a:ahLst/>
+              <a:cxnLst/>
+              <a:rect l="l" t="t" r="r" b="b"/>
+              <a:pathLst>
+                <a:path w="2960370" h="1719579">
+                  <a:moveTo>
+                    <a:pt x="2960370" y="1719071"/>
+                  </a:moveTo>
+                  <a:lnTo>
+                    <a:pt x="2960370" y="496823"/>
+                  </a:lnTo>
+                  <a:lnTo>
+                    <a:pt x="1233678" y="496823"/>
+                  </a:lnTo>
+                  <a:lnTo>
+                    <a:pt x="244601" y="0"/>
+                  </a:lnTo>
+                  <a:lnTo>
+                    <a:pt x="493014" y="496824"/>
+                  </a:lnTo>
+                  <a:lnTo>
+                    <a:pt x="0" y="496824"/>
+                  </a:lnTo>
+                  <a:lnTo>
+                    <a:pt x="0" y="1719072"/>
+                  </a:lnTo>
+                  <a:lnTo>
+                    <a:pt x="2960370" y="1719071"/>
+                  </a:lnTo>
+                  <a:close/>
+                </a:path>
+              </a:pathLst>
+            </a:custGeom>
+            <a:solidFill>
+              <a:srgbClr val="FFFFFF"/>
+            </a:solidFill>
+          </p:spPr>
+          <p:txBody>
+            <a:bodyPr wrap="square" lIns="0" tIns="0" rIns="0" bIns="0" rtlCol="0"/>
+            <a:lstStyle/>
+            <a:p>
+              <a:endParaRPr/>
+            </a:p>
+          </p:txBody>
+        </p:sp>
+        <p:sp>
+          <p:nvSpPr>
+            <p:cNvPr id="43" name="object 43"/>
+            <p:cNvSpPr/>
+            <p:nvPr/>
+          </p:nvSpPr>
+          <p:spPr>
+            <a:xfrm>
+              <a:off x="5404091" y="4432566"/>
+              <a:ext cx="2960370" cy="1719580"/>
+            </a:xfrm>
+            <a:custGeom>
+              <a:avLst/>
+              <a:gdLst/>
+              <a:ahLst/>
+              <a:cxnLst/>
+              <a:rect l="l" t="t" r="r" b="b"/>
+              <a:pathLst>
+                <a:path w="2960370" h="1719579">
+                  <a:moveTo>
+                    <a:pt x="0" y="496824"/>
+                  </a:moveTo>
+                  <a:lnTo>
+                    <a:pt x="0" y="1719072"/>
+                  </a:lnTo>
+                  <a:lnTo>
+                    <a:pt x="2960370" y="1719071"/>
+                  </a:lnTo>
+                  <a:lnTo>
+                    <a:pt x="2960370" y="496823"/>
+                  </a:lnTo>
+                  <a:lnTo>
+                    <a:pt x="1233678" y="496823"/>
+                  </a:lnTo>
+                  <a:lnTo>
+                    <a:pt x="244601" y="0"/>
+                  </a:lnTo>
+                  <a:lnTo>
+                    <a:pt x="493014" y="496824"/>
+                  </a:lnTo>
+                  <a:lnTo>
+                    <a:pt x="0" y="496824"/>
+                  </a:lnTo>
+                  <a:close/>
+                </a:path>
+              </a:pathLst>
+            </a:custGeom>
+            <a:ln w="9525">
+              <a:solidFill>
+                <a:srgbClr val="2E67B2"/>
+              </a:solidFill>
+            </a:ln>
+          </p:spPr>
+          <p:txBody>
+            <a:bodyPr wrap="square" lIns="0" tIns="0" rIns="0" bIns="0" rtlCol="0"/>
+            <a:lstStyle/>
+            <a:p>
+              <a:endParaRPr/>
+            </a:p>
+          </p:txBody>
+        </p:sp>
+      </p:grpSp>
+      <p:sp>
+        <p:nvSpPr>
+          <p:cNvPr id="44" name="object 44"/>
+          <p:cNvSpPr txBox="1"/>
+          <p:nvPr/>
+        </p:nvSpPr>
+        <p:spPr>
+          <a:xfrm>
+            <a:off x="5508743" y="4993650"/>
+            <a:ext cx="2698750" cy="1096645"/>
+          </a:xfrm>
+          <a:prstGeom prst="rect">
+            <a:avLst/>
+          </a:prstGeom>
+        </p:spPr>
+        <p:txBody>
+          <a:bodyPr vert="horz" wrap="square" lIns="0" tIns="12065" rIns="0" bIns="0" rtlCol="0">
+            <a:spAutoFit/>
+          </a:bodyPr>
+          <a:lstStyle/>
+          <a:p>
+            <a:pPr marL="203835" indent="-203200">
+              <a:lnSpc>
+                <a:spcPts val="1525"/>
+              </a:lnSpc>
+              <a:spcBef>
+                <a:spcPts val="95"/>
+              </a:spcBef>
+              <a:buClr>
+                <a:srgbClr val="1E2D5D"/>
+              </a:buClr>
+              <a:buSzPct val="107142"/>
+              <a:buChar char="▪"/>
+              <a:tabLst>
+                <a:tab pos="203835" algn="l"/>
+              </a:tabLst>
+            </a:pPr>
+            <a:r>
+              <a:rPr sz="1400" dirty="0">
+                <a:solidFill>
+                  <a:srgbClr val="231F20"/>
+                </a:solidFill>
+                <a:latin typeface="Arial MT"/>
+                <a:cs typeface="Arial MT"/>
+              </a:rPr>
+              <a:t>Savings</a:t>
+            </a:r>
+            <a:r>
+              <a:rPr sz="1400" spc="-30" dirty="0">
+                <a:solidFill>
+                  <a:srgbClr val="231F20"/>
+                </a:solidFill>
+                <a:latin typeface="Arial MT"/>
+                <a:cs typeface="Arial MT"/>
+              </a:rPr>
+              <a:t> </a:t>
+            </a:r>
+            <a:r>
+              <a:rPr sz="1400" dirty="0">
+                <a:solidFill>
+                  <a:srgbClr val="231F20"/>
+                </a:solidFill>
+                <a:latin typeface="Arial MT"/>
+                <a:cs typeface="Arial MT"/>
+              </a:rPr>
+              <a:t>driven</a:t>
+            </a:r>
+            <a:r>
+              <a:rPr sz="1400" spc="-30" dirty="0">
+                <a:solidFill>
+                  <a:srgbClr val="231F20"/>
+                </a:solidFill>
+                <a:latin typeface="Arial MT"/>
+                <a:cs typeface="Arial MT"/>
+              </a:rPr>
+              <a:t> </a:t>
+            </a:r>
+            <a:r>
+              <a:rPr sz="1400" spc="-25" dirty="0">
+                <a:solidFill>
+                  <a:srgbClr val="231F20"/>
+                </a:solidFill>
+                <a:latin typeface="Arial MT"/>
+                <a:cs typeface="Arial MT"/>
+              </a:rPr>
+              <a:t>by</a:t>
+            </a:r>
+            <a:endParaRPr sz="1400">
+              <a:latin typeface="Arial MT"/>
+              <a:cs typeface="Arial MT"/>
+            </a:endParaRPr>
+          </a:p>
+          <a:p>
+            <a:pPr marL="467995" lvl="1" indent="-262255">
+              <a:lnSpc>
+                <a:spcPts val="1705"/>
+              </a:lnSpc>
+              <a:buClr>
+                <a:srgbClr val="1E2D5D"/>
+              </a:buClr>
+              <a:buSzPct val="121428"/>
+              <a:buChar char="–"/>
+              <a:tabLst>
+                <a:tab pos="467995" algn="l"/>
+              </a:tabLst>
+            </a:pPr>
+            <a:r>
+              <a:rPr sz="1400" dirty="0">
+                <a:solidFill>
+                  <a:srgbClr val="231F20"/>
+                </a:solidFill>
+                <a:latin typeface="Arial MT"/>
+                <a:cs typeface="Arial MT"/>
+              </a:rPr>
+              <a:t>Reduction</a:t>
+            </a:r>
+            <a:r>
+              <a:rPr sz="1400" spc="-35" dirty="0">
+                <a:solidFill>
+                  <a:srgbClr val="231F20"/>
+                </a:solidFill>
+                <a:latin typeface="Arial MT"/>
+                <a:cs typeface="Arial MT"/>
+              </a:rPr>
+              <a:t> </a:t>
+            </a:r>
+            <a:r>
+              <a:rPr sz="1400" dirty="0">
+                <a:solidFill>
+                  <a:srgbClr val="231F20"/>
+                </a:solidFill>
+                <a:latin typeface="Arial MT"/>
+                <a:cs typeface="Arial MT"/>
+              </a:rPr>
+              <a:t>of</a:t>
+            </a:r>
+            <a:r>
+              <a:rPr sz="1400" spc="-30" dirty="0">
+                <a:solidFill>
+                  <a:srgbClr val="231F20"/>
+                </a:solidFill>
+                <a:latin typeface="Arial MT"/>
+                <a:cs typeface="Arial MT"/>
+              </a:rPr>
+              <a:t> </a:t>
+            </a:r>
+            <a:r>
+              <a:rPr sz="1400" spc="-10" dirty="0">
+                <a:solidFill>
+                  <a:srgbClr val="231F20"/>
+                </a:solidFill>
+                <a:latin typeface="Arial MT"/>
+                <a:cs typeface="Arial MT"/>
+              </a:rPr>
+              <a:t>overtime</a:t>
+            </a:r>
+            <a:endParaRPr sz="1400">
+              <a:latin typeface="Arial MT"/>
+              <a:cs typeface="Arial MT"/>
+            </a:endParaRPr>
+          </a:p>
+          <a:p>
+            <a:pPr marL="467995" lvl="1" indent="-262255">
+              <a:lnSpc>
+                <a:spcPts val="1675"/>
+              </a:lnSpc>
+              <a:buClr>
+                <a:srgbClr val="1E2D5D"/>
+              </a:buClr>
+              <a:buSzPct val="121428"/>
+              <a:buChar char="–"/>
+              <a:tabLst>
+                <a:tab pos="467995" algn="l"/>
+              </a:tabLst>
+            </a:pPr>
+            <a:r>
+              <a:rPr sz="1400" dirty="0">
+                <a:solidFill>
+                  <a:srgbClr val="231F20"/>
+                </a:solidFill>
+                <a:latin typeface="Arial MT"/>
+                <a:cs typeface="Arial MT"/>
+              </a:rPr>
+              <a:t>Extreme</a:t>
+            </a:r>
+            <a:r>
+              <a:rPr sz="1400" spc="-15" dirty="0">
+                <a:solidFill>
+                  <a:srgbClr val="231F20"/>
+                </a:solidFill>
+                <a:latin typeface="Arial MT"/>
+                <a:cs typeface="Arial MT"/>
+              </a:rPr>
+              <a:t> </a:t>
+            </a:r>
+            <a:r>
+              <a:rPr sz="1400" spc="-10" dirty="0">
+                <a:solidFill>
+                  <a:srgbClr val="231F20"/>
+                </a:solidFill>
+                <a:latin typeface="Arial MT"/>
+                <a:cs typeface="Arial MT"/>
+              </a:rPr>
+              <a:t>slow-</a:t>
+            </a:r>
+            <a:r>
+              <a:rPr sz="1400" dirty="0">
+                <a:solidFill>
+                  <a:srgbClr val="231F20"/>
+                </a:solidFill>
+                <a:latin typeface="Arial MT"/>
+                <a:cs typeface="Arial MT"/>
+              </a:rPr>
+              <a:t>down</a:t>
+            </a:r>
+            <a:r>
+              <a:rPr sz="1400" spc="-15" dirty="0">
+                <a:solidFill>
+                  <a:srgbClr val="231F20"/>
+                </a:solidFill>
+                <a:latin typeface="Arial MT"/>
+                <a:cs typeface="Arial MT"/>
+              </a:rPr>
+              <a:t> </a:t>
+            </a:r>
+            <a:r>
+              <a:rPr sz="1400" dirty="0">
+                <a:solidFill>
+                  <a:srgbClr val="231F20"/>
+                </a:solidFill>
+                <a:latin typeface="Arial MT"/>
+                <a:cs typeface="Arial MT"/>
+              </a:rPr>
+              <a:t>in</a:t>
+            </a:r>
+            <a:r>
+              <a:rPr sz="1400" spc="-10" dirty="0">
+                <a:solidFill>
+                  <a:srgbClr val="231F20"/>
+                </a:solidFill>
+                <a:latin typeface="Arial MT"/>
+                <a:cs typeface="Arial MT"/>
+              </a:rPr>
+              <a:t> hiring</a:t>
+            </a:r>
+            <a:endParaRPr sz="1400">
+              <a:latin typeface="Arial MT"/>
+              <a:cs typeface="Arial MT"/>
+            </a:endParaRPr>
+          </a:p>
+          <a:p>
+            <a:pPr marL="467995" lvl="1" indent="-262255">
+              <a:lnSpc>
+                <a:spcPts val="1675"/>
+              </a:lnSpc>
+              <a:buClr>
+                <a:srgbClr val="1E2D5D"/>
+              </a:buClr>
+              <a:buSzPct val="121428"/>
+              <a:buChar char="–"/>
+              <a:tabLst>
+                <a:tab pos="467995" algn="l"/>
+              </a:tabLst>
+            </a:pPr>
+            <a:r>
+              <a:rPr sz="1400" dirty="0">
+                <a:solidFill>
+                  <a:srgbClr val="231F20"/>
+                </a:solidFill>
+                <a:latin typeface="Arial MT"/>
+                <a:cs typeface="Arial MT"/>
+              </a:rPr>
+              <a:t>Route</a:t>
+            </a:r>
+            <a:r>
+              <a:rPr sz="1400" spc="-25" dirty="0">
+                <a:solidFill>
+                  <a:srgbClr val="231F20"/>
+                </a:solidFill>
+                <a:latin typeface="Arial MT"/>
+                <a:cs typeface="Arial MT"/>
+              </a:rPr>
+              <a:t> </a:t>
+            </a:r>
+            <a:r>
+              <a:rPr sz="1400" spc="-10" dirty="0">
+                <a:solidFill>
+                  <a:srgbClr val="231F20"/>
+                </a:solidFill>
+                <a:latin typeface="Arial MT"/>
+                <a:cs typeface="Arial MT"/>
+              </a:rPr>
+              <a:t>consolidation</a:t>
+            </a:r>
+            <a:endParaRPr sz="1400">
+              <a:latin typeface="Arial MT"/>
+              <a:cs typeface="Arial MT"/>
+            </a:endParaRPr>
+          </a:p>
+          <a:p>
+            <a:pPr marL="467995" lvl="1" indent="-262255">
+              <a:lnSpc>
+                <a:spcPts val="1855"/>
+              </a:lnSpc>
+              <a:buClr>
+                <a:srgbClr val="1E2D5D"/>
+              </a:buClr>
+              <a:buSzPct val="121428"/>
+              <a:buChar char="–"/>
+              <a:tabLst>
+                <a:tab pos="467995" algn="l"/>
+              </a:tabLst>
+            </a:pPr>
+            <a:r>
+              <a:rPr sz="1400" dirty="0">
+                <a:solidFill>
+                  <a:srgbClr val="231F20"/>
+                </a:solidFill>
+                <a:latin typeface="Arial MT"/>
+                <a:cs typeface="Arial MT"/>
+              </a:rPr>
+              <a:t>Volume</a:t>
+            </a:r>
+            <a:r>
+              <a:rPr sz="1400" spc="-35" dirty="0">
+                <a:solidFill>
+                  <a:srgbClr val="231F20"/>
+                </a:solidFill>
+                <a:latin typeface="Arial MT"/>
+                <a:cs typeface="Arial MT"/>
+              </a:rPr>
+              <a:t> </a:t>
+            </a:r>
+            <a:r>
+              <a:rPr sz="1400" spc="-10" dirty="0">
+                <a:solidFill>
+                  <a:srgbClr val="231F20"/>
+                </a:solidFill>
+                <a:latin typeface="Arial MT"/>
+                <a:cs typeface="Arial MT"/>
+              </a:rPr>
+              <a:t>reduction</a:t>
+            </a:r>
+            <a:endParaRPr sz="1400">
+              <a:latin typeface="Arial MT"/>
+              <a:cs typeface="Arial MT"/>
+            </a:endParaRPr>
+          </a:p>
+        </p:txBody>
+      </p:sp>
+      <p:sp>
+        <p:nvSpPr>
+          <p:cNvPr id="46" name="object 46"/>
+          <p:cNvSpPr txBox="1"/>
+          <p:nvPr/>
+        </p:nvSpPr>
+        <p:spPr>
+          <a:xfrm>
+            <a:off x="654032" y="6588569"/>
+            <a:ext cx="5002530" cy="194945"/>
+          </a:xfrm>
+          <a:prstGeom prst="rect">
+            <a:avLst/>
+          </a:prstGeom>
+        </p:spPr>
+        <p:txBody>
+          <a:bodyPr vert="horz" wrap="square" lIns="0" tIns="13335" rIns="0" bIns="0" rtlCol="0">
+            <a:spAutoFit/>
+          </a:bodyPr>
+          <a:lstStyle/>
+          <a:p>
+            <a:pPr marL="12700">
+              <a:lnSpc>
+                <a:spcPct val="100000"/>
+              </a:lnSpc>
+              <a:spcBef>
+                <a:spcPts val="105"/>
+              </a:spcBef>
+            </a:pPr>
+            <a:r>
+              <a:rPr sz="1000" dirty="0">
+                <a:solidFill>
+                  <a:srgbClr val="231F20"/>
+                </a:solidFill>
+                <a:latin typeface="Arial MT"/>
+                <a:cs typeface="Arial MT"/>
+              </a:rPr>
+              <a:t>1</a:t>
+            </a:r>
+            <a:r>
+              <a:rPr sz="1000" spc="-40" dirty="0">
+                <a:solidFill>
+                  <a:srgbClr val="231F20"/>
+                </a:solidFill>
+                <a:latin typeface="Arial MT"/>
+                <a:cs typeface="Arial MT"/>
+              </a:rPr>
+              <a:t> </a:t>
+            </a:r>
+            <a:r>
+              <a:rPr sz="1000" dirty="0">
+                <a:solidFill>
+                  <a:srgbClr val="231F20"/>
+                </a:solidFill>
+                <a:latin typeface="Arial MT"/>
+                <a:cs typeface="Arial MT"/>
+              </a:rPr>
+              <a:t>Revenue</a:t>
+            </a:r>
+            <a:r>
+              <a:rPr sz="1000" spc="-30" dirty="0">
+                <a:solidFill>
+                  <a:srgbClr val="231F20"/>
+                </a:solidFill>
+                <a:latin typeface="Arial MT"/>
+                <a:cs typeface="Arial MT"/>
+              </a:rPr>
+              <a:t> </a:t>
+            </a:r>
+            <a:r>
+              <a:rPr sz="1000" dirty="0">
+                <a:solidFill>
+                  <a:srgbClr val="231F20"/>
+                </a:solidFill>
+                <a:latin typeface="Arial MT"/>
+                <a:cs typeface="Arial MT"/>
+              </a:rPr>
+              <a:t>declines</a:t>
+            </a:r>
+            <a:r>
+              <a:rPr sz="1000" spc="-20" dirty="0">
+                <a:solidFill>
+                  <a:srgbClr val="231F20"/>
+                </a:solidFill>
+                <a:latin typeface="Arial MT"/>
+                <a:cs typeface="Arial MT"/>
+              </a:rPr>
+              <a:t> </a:t>
+            </a:r>
+            <a:r>
+              <a:rPr sz="1000" spc="-10" dirty="0">
+                <a:solidFill>
+                  <a:srgbClr val="231F20"/>
+                </a:solidFill>
+                <a:latin typeface="Arial MT"/>
+                <a:cs typeface="Arial MT"/>
+              </a:rPr>
+              <a:t>calculating</a:t>
+            </a:r>
+            <a:r>
+              <a:rPr sz="1000" spc="-35" dirty="0">
+                <a:solidFill>
+                  <a:srgbClr val="231F20"/>
+                </a:solidFill>
+                <a:latin typeface="Arial MT"/>
+                <a:cs typeface="Arial MT"/>
+              </a:rPr>
+              <a:t> </a:t>
+            </a:r>
+            <a:r>
+              <a:rPr sz="1000" dirty="0">
+                <a:solidFill>
+                  <a:srgbClr val="231F20"/>
+                </a:solidFill>
+                <a:latin typeface="Arial MT"/>
+                <a:cs typeface="Arial MT"/>
+              </a:rPr>
+              <a:t>by</a:t>
+            </a:r>
+            <a:r>
+              <a:rPr sz="1000" spc="-30" dirty="0">
+                <a:solidFill>
+                  <a:srgbClr val="231F20"/>
+                </a:solidFill>
+                <a:latin typeface="Arial MT"/>
+                <a:cs typeface="Arial MT"/>
+              </a:rPr>
+              <a:t> </a:t>
+            </a:r>
+            <a:r>
+              <a:rPr sz="1000" dirty="0">
+                <a:solidFill>
+                  <a:srgbClr val="231F20"/>
+                </a:solidFill>
+                <a:latin typeface="Arial MT"/>
+                <a:cs typeface="Arial MT"/>
+              </a:rPr>
+              <a:t>applying</a:t>
+            </a:r>
+            <a:r>
+              <a:rPr sz="1000" spc="-25" dirty="0">
+                <a:solidFill>
+                  <a:srgbClr val="231F20"/>
+                </a:solidFill>
+                <a:latin typeface="Arial MT"/>
+                <a:cs typeface="Arial MT"/>
+              </a:rPr>
+              <a:t> </a:t>
+            </a:r>
+            <a:r>
+              <a:rPr sz="1000" dirty="0">
+                <a:solidFill>
+                  <a:srgbClr val="231F20"/>
+                </a:solidFill>
+                <a:latin typeface="Arial MT"/>
+                <a:cs typeface="Arial MT"/>
+              </a:rPr>
+              <a:t>2009</a:t>
+            </a:r>
+            <a:r>
+              <a:rPr sz="1000" spc="-30" dirty="0">
+                <a:solidFill>
+                  <a:srgbClr val="231F20"/>
+                </a:solidFill>
+                <a:latin typeface="Arial MT"/>
+                <a:cs typeface="Arial MT"/>
+              </a:rPr>
+              <a:t> </a:t>
+            </a:r>
+            <a:r>
+              <a:rPr sz="1000" dirty="0">
+                <a:solidFill>
+                  <a:srgbClr val="231F20"/>
+                </a:solidFill>
+                <a:latin typeface="Arial MT"/>
+                <a:cs typeface="Arial MT"/>
+              </a:rPr>
+              <a:t>prices</a:t>
+            </a:r>
+            <a:r>
+              <a:rPr sz="1000" spc="-25" dirty="0">
+                <a:solidFill>
+                  <a:srgbClr val="231F20"/>
+                </a:solidFill>
+                <a:latin typeface="Arial MT"/>
+                <a:cs typeface="Arial MT"/>
+              </a:rPr>
+              <a:t> </a:t>
+            </a:r>
+            <a:r>
+              <a:rPr sz="1000" dirty="0">
+                <a:solidFill>
+                  <a:srgbClr val="231F20"/>
+                </a:solidFill>
+                <a:latin typeface="Arial MT"/>
+                <a:cs typeface="Arial MT"/>
+              </a:rPr>
+              <a:t>against</a:t>
+            </a:r>
+            <a:r>
+              <a:rPr sz="1000" spc="-30" dirty="0">
+                <a:solidFill>
+                  <a:srgbClr val="231F20"/>
+                </a:solidFill>
+                <a:latin typeface="Arial MT"/>
+                <a:cs typeface="Arial MT"/>
+              </a:rPr>
+              <a:t> </a:t>
+            </a:r>
+            <a:r>
+              <a:rPr sz="1000" spc="-10" dirty="0">
+                <a:solidFill>
+                  <a:srgbClr val="231F20"/>
+                </a:solidFill>
+                <a:latin typeface="Arial MT"/>
+                <a:cs typeface="Arial MT"/>
+              </a:rPr>
+              <a:t>2006-</a:t>
+            </a:r>
+            <a:r>
+              <a:rPr sz="1000" dirty="0">
+                <a:solidFill>
+                  <a:srgbClr val="231F20"/>
+                </a:solidFill>
+                <a:latin typeface="Arial MT"/>
+                <a:cs typeface="Arial MT"/>
+              </a:rPr>
+              <a:t>09</a:t>
+            </a:r>
+            <a:r>
+              <a:rPr sz="1000" spc="-25" dirty="0">
+                <a:solidFill>
+                  <a:srgbClr val="231F20"/>
+                </a:solidFill>
+                <a:latin typeface="Arial MT"/>
+                <a:cs typeface="Arial MT"/>
+              </a:rPr>
+              <a:t> </a:t>
+            </a:r>
+            <a:r>
+              <a:rPr sz="1000" dirty="0">
+                <a:solidFill>
+                  <a:srgbClr val="231F20"/>
+                </a:solidFill>
+                <a:latin typeface="Arial MT"/>
+                <a:cs typeface="Arial MT"/>
+              </a:rPr>
+              <a:t>volume</a:t>
+            </a:r>
+            <a:r>
+              <a:rPr sz="1000" spc="-25" dirty="0">
+                <a:solidFill>
+                  <a:srgbClr val="231F20"/>
+                </a:solidFill>
+                <a:latin typeface="Arial MT"/>
+                <a:cs typeface="Arial MT"/>
+              </a:rPr>
+              <a:t> </a:t>
+            </a:r>
+            <a:r>
+              <a:rPr sz="1000" spc="-10" dirty="0">
+                <a:solidFill>
+                  <a:srgbClr val="231F20"/>
+                </a:solidFill>
+                <a:latin typeface="Arial MT"/>
+                <a:cs typeface="Arial MT"/>
+              </a:rPr>
+              <a:t>declines</a:t>
+            </a:r>
+            <a:endParaRPr sz="1000">
+              <a:latin typeface="Arial MT"/>
+              <a:cs typeface="Arial MT"/>
+            </a:endParaRPr>
+          </a:p>
+        </p:txBody>
+      </p:sp>
+      <p:sp>
+        <p:nvSpPr>
+          <p:cNvPr id="47" name="object 47"/>
+          <p:cNvSpPr txBox="1"/>
+          <p:nvPr/>
+        </p:nvSpPr>
+        <p:spPr>
+          <a:xfrm>
+            <a:off x="8953751" y="6912979"/>
+            <a:ext cx="65405" cy="228600"/>
+          </a:xfrm>
+          <a:prstGeom prst="rect">
+            <a:avLst/>
+          </a:prstGeom>
+        </p:spPr>
+        <p:txBody>
+          <a:bodyPr vert="horz" wrap="square" lIns="0" tIns="13335" rIns="0" bIns="0" rtlCol="0">
+            <a:spAutoFit/>
+          </a:bodyPr>
+          <a:lstStyle/>
+          <a:p>
+            <a:pPr marL="12700">
+              <a:lnSpc>
+                <a:spcPct val="100000"/>
+              </a:lnSpc>
+              <a:spcBef>
+                <a:spcPts val="105"/>
+              </a:spcBef>
+            </a:pPr>
+            <a:r>
+              <a:rPr sz="1200" spc="-50" dirty="0">
+                <a:solidFill>
+                  <a:srgbClr val="231F20"/>
+                </a:solidFill>
+                <a:latin typeface="Arial MT"/>
+                <a:cs typeface="Arial MT"/>
+              </a:rPr>
+              <a:t>|</a:t>
+            </a:r>
+            <a:endParaRPr sz="1200">
+              <a:latin typeface="Arial MT"/>
+              <a:cs typeface="Arial MT"/>
+            </a:endParaRPr>
+          </a:p>
+        </p:txBody>
+      </p:sp>
+      <p:sp>
+        <p:nvSpPr>
+          <p:cNvPr id="48" name="object 48"/>
+          <p:cNvSpPr txBox="1"/>
+          <p:nvPr/>
+        </p:nvSpPr>
+        <p:spPr>
+          <a:xfrm>
+            <a:off x="654032" y="6944371"/>
+            <a:ext cx="3302000" cy="194945"/>
+          </a:xfrm>
+          <a:prstGeom prst="rect">
+            <a:avLst/>
+          </a:prstGeom>
+        </p:spPr>
+        <p:txBody>
+          <a:bodyPr vert="horz" wrap="square" lIns="0" tIns="13335" rIns="0" bIns="0" rtlCol="0">
+            <a:spAutoFit/>
+          </a:bodyPr>
+          <a:lstStyle/>
+          <a:p>
+            <a:pPr marL="12700">
+              <a:lnSpc>
+                <a:spcPct val="100000"/>
+              </a:lnSpc>
+              <a:spcBef>
+                <a:spcPts val="105"/>
+              </a:spcBef>
+            </a:pPr>
+            <a:r>
+              <a:rPr sz="1000" dirty="0">
+                <a:solidFill>
+                  <a:srgbClr val="231F20"/>
+                </a:solidFill>
+                <a:latin typeface="Arial MT"/>
+                <a:cs typeface="Arial MT"/>
+              </a:rPr>
+              <a:t>SOURCE:</a:t>
+            </a:r>
+            <a:r>
+              <a:rPr sz="1000" spc="-25" dirty="0">
+                <a:solidFill>
+                  <a:srgbClr val="231F20"/>
+                </a:solidFill>
+                <a:latin typeface="Arial MT"/>
+                <a:cs typeface="Arial MT"/>
+              </a:rPr>
+              <a:t> </a:t>
+            </a:r>
+            <a:r>
+              <a:rPr sz="1000" dirty="0">
+                <a:solidFill>
+                  <a:srgbClr val="231F20"/>
+                </a:solidFill>
+                <a:latin typeface="Arial MT"/>
+                <a:cs typeface="Arial MT"/>
+              </a:rPr>
+              <a:t>USPS</a:t>
+            </a:r>
+            <a:r>
+              <a:rPr sz="1000" spc="-25" dirty="0">
+                <a:solidFill>
+                  <a:srgbClr val="231F20"/>
+                </a:solidFill>
+                <a:latin typeface="Arial MT"/>
+                <a:cs typeface="Arial MT"/>
+              </a:rPr>
+              <a:t> </a:t>
+            </a:r>
+            <a:r>
+              <a:rPr sz="1000" dirty="0">
+                <a:solidFill>
+                  <a:srgbClr val="231F20"/>
+                </a:solidFill>
+                <a:latin typeface="Arial MT"/>
+                <a:cs typeface="Arial MT"/>
+              </a:rPr>
+              <a:t>2006</a:t>
+            </a:r>
+            <a:r>
+              <a:rPr sz="1000" spc="-25" dirty="0">
+                <a:solidFill>
+                  <a:srgbClr val="231F20"/>
+                </a:solidFill>
+                <a:latin typeface="Arial MT"/>
+                <a:cs typeface="Arial MT"/>
+              </a:rPr>
+              <a:t> </a:t>
+            </a:r>
+            <a:r>
+              <a:rPr sz="1000" dirty="0">
+                <a:solidFill>
+                  <a:srgbClr val="231F20"/>
+                </a:solidFill>
+                <a:latin typeface="Arial MT"/>
+                <a:cs typeface="Arial MT"/>
+              </a:rPr>
+              <a:t>Annual</a:t>
+            </a:r>
+            <a:r>
+              <a:rPr sz="1000" spc="-20" dirty="0">
+                <a:solidFill>
+                  <a:srgbClr val="231F20"/>
+                </a:solidFill>
+                <a:latin typeface="Arial MT"/>
+                <a:cs typeface="Arial MT"/>
+              </a:rPr>
+              <a:t> </a:t>
+            </a:r>
+            <a:r>
+              <a:rPr sz="1000" dirty="0">
+                <a:solidFill>
+                  <a:srgbClr val="231F20"/>
+                </a:solidFill>
+                <a:latin typeface="Arial MT"/>
+                <a:cs typeface="Arial MT"/>
+              </a:rPr>
+              <a:t>Report;</a:t>
+            </a:r>
+            <a:r>
+              <a:rPr sz="1000" spc="-30" dirty="0">
+                <a:solidFill>
+                  <a:srgbClr val="231F20"/>
+                </a:solidFill>
+                <a:latin typeface="Arial MT"/>
+                <a:cs typeface="Arial MT"/>
+              </a:rPr>
+              <a:t> </a:t>
+            </a:r>
+            <a:r>
+              <a:rPr sz="1000" dirty="0">
+                <a:solidFill>
+                  <a:srgbClr val="231F20"/>
+                </a:solidFill>
+                <a:latin typeface="Arial MT"/>
+                <a:cs typeface="Arial MT"/>
+              </a:rPr>
+              <a:t>USPS</a:t>
+            </a:r>
+            <a:r>
+              <a:rPr sz="1000" spc="-25" dirty="0">
+                <a:solidFill>
+                  <a:srgbClr val="231F20"/>
+                </a:solidFill>
+                <a:latin typeface="Arial MT"/>
+                <a:cs typeface="Arial MT"/>
+              </a:rPr>
+              <a:t> </a:t>
+            </a:r>
+            <a:r>
+              <a:rPr sz="1000" dirty="0">
+                <a:solidFill>
+                  <a:srgbClr val="231F20"/>
+                </a:solidFill>
+                <a:latin typeface="Arial MT"/>
+                <a:cs typeface="Arial MT"/>
+              </a:rPr>
+              <a:t>2010</a:t>
+            </a:r>
+            <a:r>
+              <a:rPr sz="1000" spc="-25" dirty="0">
+                <a:solidFill>
+                  <a:srgbClr val="231F20"/>
+                </a:solidFill>
+                <a:latin typeface="Arial MT"/>
+                <a:cs typeface="Arial MT"/>
+              </a:rPr>
+              <a:t> </a:t>
+            </a:r>
+            <a:r>
+              <a:rPr sz="1000" spc="-10" dirty="0">
+                <a:solidFill>
+                  <a:srgbClr val="231F20"/>
+                </a:solidFill>
+                <a:latin typeface="Arial MT"/>
+                <a:cs typeface="Arial MT"/>
+              </a:rPr>
+              <a:t>Budget</a:t>
+            </a:r>
+            <a:endParaRPr sz="1000">
+              <a:latin typeface="Arial MT"/>
+              <a:cs typeface="Arial MT"/>
+            </a:endParaRPr>
+          </a:p>
+        </p:txBody>
+      </p:sp>
+      <p:sp>
+        <p:nvSpPr>
+          <p:cNvPr id="49" name="object 49"/>
+          <p:cNvSpPr txBox="1">
+            <a:spLocks noGrp="1"/>
+          </p:cNvSpPr>
+          <p:nvPr>
+            <p:ph type="ftr" sz="quarter" idx="5"/>
+          </p:nvPr>
+        </p:nvSpPr>
+        <p:spPr>
+          <a:prstGeom prst="rect">
+            <a:avLst/>
+          </a:prstGeom>
+        </p:spPr>
+        <p:txBody>
+          <a:bodyPr vert="horz" wrap="square" lIns="0" tIns="13335" rIns="0" bIns="0" rtlCol="0">
+            <a:spAutoFit/>
+          </a:bodyPr>
+          <a:lstStyle/>
+          <a:p>
+            <a:pPr marL="12700">
+              <a:lnSpc>
+                <a:spcPct val="100000"/>
+              </a:lnSpc>
+              <a:spcBef>
+                <a:spcPts val="105"/>
+              </a:spcBef>
+            </a:pPr>
+            <a:r>
+              <a:rPr dirty="0"/>
+              <a:t>McKinsey</a:t>
+            </a:r>
+            <a:r>
+              <a:rPr spc="-30" dirty="0"/>
+              <a:t> </a:t>
+            </a:r>
+            <a:r>
+              <a:rPr dirty="0"/>
+              <a:t>&amp;</a:t>
+            </a:r>
+            <a:r>
+              <a:rPr spc="-25" dirty="0"/>
+              <a:t> </a:t>
+            </a:r>
+            <a:r>
+              <a:rPr spc="-10" dirty="0"/>
+              <a:t>Company</a:t>
+            </a:r>
+          </a:p>
+        </p:txBody>
+      </p:sp>
+      <p:sp>
+        <p:nvSpPr>
+          <p:cNvPr id="50" name="object 50"/>
+          <p:cNvSpPr txBox="1"/>
+          <p:nvPr/>
+        </p:nvSpPr>
+        <p:spPr>
+          <a:xfrm>
+            <a:off x="9081029" y="6944371"/>
+            <a:ext cx="96520" cy="194945"/>
+          </a:xfrm>
+          <a:prstGeom prst="rect">
+            <a:avLst/>
+          </a:prstGeom>
+        </p:spPr>
+        <p:txBody>
+          <a:bodyPr vert="horz" wrap="square" lIns="0" tIns="13335" rIns="0" bIns="0" rtlCol="0">
+            <a:spAutoFit/>
+          </a:bodyPr>
+          <a:lstStyle/>
+          <a:p>
+            <a:pPr marL="12700">
+              <a:lnSpc>
+                <a:spcPct val="100000"/>
+              </a:lnSpc>
+              <a:spcBef>
+                <a:spcPts val="105"/>
+              </a:spcBef>
+            </a:pPr>
+            <a:r>
+              <a:rPr sz="1000" spc="-50" dirty="0">
+                <a:solidFill>
+                  <a:srgbClr val="231F20"/>
+                </a:solidFill>
+                <a:latin typeface="Arial MT"/>
+                <a:cs typeface="Arial MT"/>
+              </a:rPr>
+              <a:t>3</a:t>
+            </a:r>
+            <a:endParaRPr sz="1000">
+              <a:latin typeface="Arial MT"/>
+              <a:cs typeface="Arial MT"/>
+            </a:endParaRPr>
+          </a:p>
+        </p:txBody>
+      </p:sp>
+      <p:sp>
+        <p:nvSpPr>
+          <p:cNvPr id="45" name="object 45"/>
+          <p:cNvSpPr txBox="1"/>
+          <p:nvPr/>
+        </p:nvSpPr>
+        <p:spPr>
+          <a:xfrm>
+            <a:off x="654032" y="542799"/>
+            <a:ext cx="1142365" cy="208279"/>
+          </a:xfrm>
+          <a:prstGeom prst="rect">
+            <a:avLst/>
+          </a:prstGeom>
+        </p:spPr>
+        <p:txBody>
+          <a:bodyPr vert="horz" wrap="square" lIns="0" tIns="12700" rIns="0" bIns="0" rtlCol="0">
+            <a:spAutoFit/>
+          </a:bodyPr>
+          <a:lstStyle/>
+          <a:p>
+            <a:pPr marL="12700">
+              <a:lnSpc>
+                <a:spcPct val="100000"/>
+              </a:lnSpc>
+              <a:spcBef>
+                <a:spcPts val="100"/>
+              </a:spcBef>
+            </a:pPr>
+            <a:r>
+              <a:rPr sz="1200" b="1" dirty="0">
+                <a:solidFill>
+                  <a:srgbClr val="939598"/>
+                </a:solidFill>
+                <a:latin typeface="Arial"/>
+                <a:cs typeface="Arial"/>
+              </a:rPr>
+              <a:t>Recent</a:t>
+            </a:r>
+            <a:r>
+              <a:rPr sz="1200" b="1" spc="-25" dirty="0">
+                <a:solidFill>
+                  <a:srgbClr val="939598"/>
+                </a:solidFill>
+                <a:latin typeface="Arial"/>
+                <a:cs typeface="Arial"/>
+              </a:rPr>
+              <a:t> </a:t>
+            </a:r>
+            <a:r>
+              <a:rPr sz="1200" b="1" spc="-10" dirty="0">
+                <a:solidFill>
+                  <a:srgbClr val="939598"/>
+                </a:solidFill>
+                <a:latin typeface="Arial"/>
+                <a:cs typeface="Arial"/>
+              </a:rPr>
+              <a:t>Context</a:t>
+            </a:r>
+            <a:endParaRPr sz="1200">
+              <a:latin typeface="Arial"/>
+              <a:cs typeface="Arial"/>
+            </a:endParaRPr>
+          </a:p>
+        </p:txBody>
+      </p:sp>
+    </p:spTree>
+  </p:cSld>
+  <p:clrMapOvr>
+    <a:masterClrMapping/>
+  </p:clrMapOvr>
+</p:sld>
+</file>
+
 <file path=ppt/theme/theme1.xml><?xml version="1.0" encoding="utf-8"?>
 <a:theme xmlns:a="http://schemas.openxmlformats.org/drawingml/2006/main" name="Office Theme">
   <a:themeElements>
